--- a/aulas/03-profiling-e-projeto/slides.pptx
+++ b/aulas/03-profiling-e-projeto/slides.pptx
@@ -14,6 +14,12 @@
     <p:sldId id="261" r:id="rId10"/>
     <p:sldId id="262" r:id="rId11"/>
     <p:sldId id="263" r:id="rId12"/>
+    <p:sldId id="264" r:id="rId13"/>
+    <p:sldId id="265" r:id="rId14"/>
+    <p:sldId id="266" r:id="rId15"/>
+    <p:sldId id="267" r:id="rId16"/>
+    <p:sldId id="268" r:id="rId17"/>
+    <p:sldId id="269" r:id="rId18"/>
   </p:sldIdLst>
   <p:sldSz cx="9144000" cy="6858000" type="screen4x3"/>
   <p:notesSz cx="6858000" cy="9144000"/>
@@ -13045,7 +13051,1727 @@
 </p:sld>
 </file>
 
+<file path=ppt/slides/slide10.xml><?xml version="1.0" encoding="utf-8"?>
+<p:sld xmlns:a="http://schemas.openxmlformats.org/drawingml/2006/main" xmlns:r="http://schemas.openxmlformats.org/officeDocument/2006/relationships" xmlns:p="http://schemas.openxmlformats.org/presentationml/2006/main" xmlns:m="http://schemas.openxmlformats.org/officeDocument/2006/math" xmlns:w="http://schemas.openxmlformats.org/wordprocessingml/2006/main" showMasterPhAnim="0" show="1">
+  <p:cSld name="">
+    <p:spTree>
+      <p:nvGrpSpPr>
+        <p:cNvPr id="1" name="" hidden="0"/>
+        <p:cNvGrpSpPr/>
+        <p:nvPr isPhoto="0" userDrawn="0"/>
+      </p:nvGrpSpPr>
+      <p:grpSpPr bwMode="auto">
+        <a:xfrm>
+          <a:off x="0" y="0"/>
+          <a:ext cx="0" cy="0"/>
+          <a:chOff x="0" y="0"/>
+          <a:chExt cx="0" cy="0"/>
+        </a:xfrm>
+      </p:grpSpPr>
+      <p:sp>
+        <p:nvSpPr>
+          <p:cNvPr id="4" name="Google Shape;267;p55" hidden="0"/>
+          <p:cNvSpPr/>
+          <p:nvPr isPhoto="0" userDrawn="0"/>
+        </p:nvSpPr>
+        <p:spPr bwMode="auto">
+          <a:xfrm>
+            <a:off x="457200" y="781200"/>
+            <a:ext cx="8228520" cy="618120"/>
+          </a:xfrm>
+          <a:prstGeom prst="rect">
+            <a:avLst/>
+          </a:prstGeom>
+          <a:noFill/>
+          <a:ln>
+            <a:noFill/>
+          </a:ln>
+        </p:spPr>
+        <p:txBody>
+          <a:bodyPr spcFirstLastPara="1" wrap="square" lIns="90000" tIns="45000" rIns="90000" bIns="45000" anchor="t" anchorCtr="0">
+            <a:noAutofit/>
+          </a:bodyPr>
+          <a:lstStyle/>
+          <a:p>
+            <a:pPr marL="0" marR="0" lvl="0" indent="0" algn="l">
+              <a:lnSpc>
+                <a:spcPct val="100000"/>
+              </a:lnSpc>
+              <a:spcBef>
+                <a:spcPts val="0"/>
+              </a:spcBef>
+              <a:spcAft>
+                <a:spcPts val="0"/>
+              </a:spcAft>
+              <a:buNone/>
+              <a:defRPr/>
+            </a:pPr>
+            <a:r>
+              <a:rPr lang="pt-BR" sz="3200" b="0" i="0" u="none" strike="noStrike" cap="none">
+                <a:solidFill>
+                  <a:srgbClr val="C00026"/>
+                </a:solidFill>
+                <a:latin typeface="Verdana"/>
+                <a:ea typeface="Verdana"/>
+                <a:cs typeface="Verdana"/>
+              </a:rPr>
+              <a:t>Projeto - Travelling Salesperson (TSP)</a:t>
+            </a:r>
+            <a:endParaRPr sz="3200" b="0" i="0" u="none" strike="noStrike" cap="none">
+              <a:solidFill>
+                <a:schemeClr val="dk1"/>
+              </a:solidFill>
+              <a:latin typeface="Arial"/>
+              <a:ea typeface="Arial"/>
+              <a:cs typeface="Arial"/>
+            </a:endParaRPr>
+          </a:p>
+        </p:txBody>
+      </p:sp>
+      <p:sp>
+        <p:nvSpPr>
+          <p:cNvPr id="5" name="Google Shape;268;p55" hidden="0"/>
+          <p:cNvSpPr/>
+          <p:nvPr isPhoto="0" userDrawn="0"/>
+        </p:nvSpPr>
+        <p:spPr bwMode="auto">
+          <a:xfrm>
+            <a:off x="162000" y="85680"/>
+            <a:ext cx="7228440" cy="351360"/>
+          </a:xfrm>
+          <a:prstGeom prst="rect">
+            <a:avLst/>
+          </a:prstGeom>
+          <a:noFill/>
+          <a:ln>
+            <a:noFill/>
+          </a:ln>
+        </p:spPr>
+        <p:txBody>
+          <a:bodyPr spcFirstLastPara="1" wrap="square" lIns="91422" tIns="91422" rIns="91422" bIns="91422" anchor="ctr" anchorCtr="0">
+            <a:noAutofit/>
+          </a:bodyPr>
+          <a:lstStyle/>
+          <a:p>
+            <a:pPr marL="0" lvl="0" indent="0" algn="l">
+              <a:spcBef>
+                <a:spcPts val="0"/>
+              </a:spcBef>
+              <a:spcAft>
+                <a:spcPts val="0"/>
+              </a:spcAft>
+              <a:buNone/>
+              <a:defRPr/>
+            </a:pPr>
+            <a:endParaRPr/>
+          </a:p>
+        </p:txBody>
+      </p:sp>
+      <p:sp>
+        <p:nvSpPr>
+          <p:cNvPr id="6" name="Google Shape;269;p55" hidden="0"/>
+          <p:cNvSpPr/>
+          <p:nvPr isPhoto="0" userDrawn="0"/>
+        </p:nvSpPr>
+        <p:spPr bwMode="auto">
+          <a:xfrm>
+            <a:off x="84240" y="6402240"/>
+            <a:ext cx="640440" cy="363960"/>
+          </a:xfrm>
+          <a:prstGeom prst="rect">
+            <a:avLst/>
+          </a:prstGeom>
+          <a:noFill/>
+          <a:ln>
+            <a:noFill/>
+          </a:ln>
+        </p:spPr>
+        <p:txBody>
+          <a:bodyPr spcFirstLastPara="1" wrap="square" lIns="90000" tIns="45000" rIns="90000" bIns="45000" anchor="ctr" anchorCtr="0">
+            <a:noAutofit/>
+          </a:bodyPr>
+          <a:lstStyle/>
+          <a:p>
+            <a:pPr marL="0" marR="0" lvl="0" indent="0" algn="r">
+              <a:lnSpc>
+                <a:spcPct val="100000"/>
+              </a:lnSpc>
+              <a:spcBef>
+                <a:spcPts val="0"/>
+              </a:spcBef>
+              <a:spcAft>
+                <a:spcPts val="0"/>
+              </a:spcAft>
+              <a:buNone/>
+              <a:defRPr/>
+            </a:pPr>
+            <a:fld id="{A3D99579-7D0E-CF2D-A2BA-826995344CCA}" type="slidenum">
+              <a:rPr lang="pt-BR" sz="1000" b="0" i="0" u="none" strike="noStrike" cap="none">
+                <a:solidFill>
+                  <a:srgbClr val="B2B2B2"/>
+                </a:solidFill>
+                <a:latin typeface="Verdana"/>
+                <a:ea typeface="Verdana"/>
+                <a:cs typeface="Verdana"/>
+              </a:rPr>
+              <a:t/>
+            </a:fld>
+            <a:endParaRPr sz="1000" b="0" i="0" u="none" strike="noStrike" cap="none">
+              <a:solidFill>
+                <a:schemeClr val="dk1"/>
+              </a:solidFill>
+              <a:latin typeface="Arial"/>
+              <a:ea typeface="Arial"/>
+              <a:cs typeface="Arial"/>
+            </a:endParaRPr>
+          </a:p>
+        </p:txBody>
+      </p:sp>
+      <p:sp>
+        <p:nvSpPr>
+          <p:cNvPr id="7" name="Google Shape;270;p55" hidden="0"/>
+          <p:cNvSpPr>
+            <a:spLocks noAdjustHandles="0" noChangeArrowheads="0"/>
+          </p:cNvSpPr>
+          <p:nvPr isPhoto="0" userDrawn="0"/>
+        </p:nvSpPr>
+        <p:spPr bwMode="auto">
+          <a:xfrm flipH="0" flipV="0">
+            <a:off x="309226" y="1588486"/>
+            <a:ext cx="8704380" cy="4976427"/>
+          </a:xfrm>
+          <a:prstGeom prst="rect">
+            <a:avLst/>
+          </a:prstGeom>
+          <a:noFill/>
+          <a:ln>
+            <a:noFill/>
+          </a:ln>
+        </p:spPr>
+        <p:txBody>
+          <a:bodyPr spcFirstLastPara="1" wrap="square" lIns="91422" tIns="45695" rIns="91422" bIns="45695" anchor="t" anchorCtr="0">
+            <a:noAutofit/>
+          </a:bodyPr>
+          <a:lstStyle/>
+          <a:p>
+            <a:pPr>
+              <a:defRPr/>
+            </a:pPr>
+            <a:endParaRPr/>
+          </a:p>
+        </p:txBody>
+      </p:sp>
+      <p:pic>
+        <p:nvPicPr>
+          <p:cNvPr id="8" name="" hidden="0"/>
+          <p:cNvPicPr>
+            <a:picLocks noChangeAspect="1"/>
+          </p:cNvPicPr>
+          <p:nvPr isPhoto="0" userDrawn="0"/>
+        </p:nvPicPr>
+        <p:blipFill>
+          <a:blip r:embed="rId2"/>
+          <a:stretch/>
+        </p:blipFill>
+        <p:spPr bwMode="auto">
+          <a:xfrm flipH="0" flipV="0">
+            <a:off x="2323522" y="1919431"/>
+            <a:ext cx="3797045" cy="3797045"/>
+          </a:xfrm>
+          <a:prstGeom prst="rect">
+            <a:avLst/>
+          </a:prstGeom>
+        </p:spPr>
+      </p:pic>
+    </p:spTree>
+  </p:cSld>
+  <p:clrMapOvr>
+    <a:masterClrMapping/>
+  </p:clrMapOvr>
+  <mc:AlternateContent xmlns:mc="http://schemas.openxmlformats.org/markup-compatibility/2006">
+    <mc:Choice xmlns:p14="http://schemas.microsoft.com/office/powerpoint/2010/main" Requires="p14">
+      <p:transition p14:dur="2000" advClick="1"/>
+    </mc:Choice>
+    <mc:Fallback>
+      <p:transition advClick="1"/>
+    </mc:Fallback>
+  </mc:AlternateContent>
+</p:sld>
+</file>
+
+<file path=ppt/slides/slide11.xml><?xml version="1.0" encoding="utf-8"?>
+<p:sld xmlns:a="http://schemas.openxmlformats.org/drawingml/2006/main" xmlns:r="http://schemas.openxmlformats.org/officeDocument/2006/relationships" xmlns:p="http://schemas.openxmlformats.org/presentationml/2006/main" xmlns:m="http://schemas.openxmlformats.org/officeDocument/2006/math" xmlns:w="http://schemas.openxmlformats.org/wordprocessingml/2006/main" showMasterPhAnim="0" show="1">
+  <p:cSld name="">
+    <p:spTree>
+      <p:nvGrpSpPr>
+        <p:cNvPr id="1" name="" hidden="0"/>
+        <p:cNvGrpSpPr/>
+        <p:nvPr isPhoto="0" userDrawn="0"/>
+      </p:nvGrpSpPr>
+      <p:grpSpPr bwMode="auto">
+        <a:xfrm>
+          <a:off x="0" y="0"/>
+          <a:ext cx="0" cy="0"/>
+          <a:chOff x="0" y="0"/>
+          <a:chExt cx="0" cy="0"/>
+        </a:xfrm>
+      </p:grpSpPr>
+      <p:sp>
+        <p:nvSpPr>
+          <p:cNvPr id="4" name="Google Shape;267;p55" hidden="0"/>
+          <p:cNvSpPr/>
+          <p:nvPr isPhoto="0" userDrawn="0"/>
+        </p:nvSpPr>
+        <p:spPr bwMode="auto">
+          <a:xfrm>
+            <a:off x="457200" y="781200"/>
+            <a:ext cx="8228520" cy="618120"/>
+          </a:xfrm>
+          <a:prstGeom prst="rect">
+            <a:avLst/>
+          </a:prstGeom>
+          <a:noFill/>
+          <a:ln>
+            <a:noFill/>
+          </a:ln>
+        </p:spPr>
+        <p:txBody>
+          <a:bodyPr spcFirstLastPara="1" wrap="square" lIns="90000" tIns="45000" rIns="90000" bIns="45000" anchor="t" anchorCtr="0">
+            <a:noAutofit/>
+          </a:bodyPr>
+          <a:lstStyle/>
+          <a:p>
+            <a:pPr marL="0" marR="0" lvl="0" indent="0" algn="l">
+              <a:lnSpc>
+                <a:spcPct val="100000"/>
+              </a:lnSpc>
+              <a:spcBef>
+                <a:spcPts val="0"/>
+              </a:spcBef>
+              <a:spcAft>
+                <a:spcPts val="0"/>
+              </a:spcAft>
+              <a:buNone/>
+              <a:defRPr/>
+            </a:pPr>
+            <a:r>
+              <a:rPr lang="pt-BR" sz="3200" b="0" i="0" u="none" strike="noStrike" cap="none">
+                <a:solidFill>
+                  <a:srgbClr val="C00026"/>
+                </a:solidFill>
+                <a:latin typeface="Verdana"/>
+                <a:ea typeface="Verdana"/>
+                <a:cs typeface="Verdana"/>
+              </a:rPr>
+              <a:t>Projeto - Travelling Salesperson (TSP)</a:t>
+            </a:r>
+            <a:endParaRPr sz="3200" b="0" i="0" u="none" strike="noStrike" cap="none">
+              <a:solidFill>
+                <a:schemeClr val="dk1"/>
+              </a:solidFill>
+              <a:latin typeface="Arial"/>
+              <a:ea typeface="Arial"/>
+              <a:cs typeface="Arial"/>
+            </a:endParaRPr>
+          </a:p>
+        </p:txBody>
+      </p:sp>
+      <p:sp>
+        <p:nvSpPr>
+          <p:cNvPr id="5" name="Google Shape;268;p55" hidden="0"/>
+          <p:cNvSpPr/>
+          <p:nvPr isPhoto="0" userDrawn="0"/>
+        </p:nvSpPr>
+        <p:spPr bwMode="auto">
+          <a:xfrm>
+            <a:off x="162000" y="85680"/>
+            <a:ext cx="7228440" cy="351360"/>
+          </a:xfrm>
+          <a:prstGeom prst="rect">
+            <a:avLst/>
+          </a:prstGeom>
+          <a:noFill/>
+          <a:ln>
+            <a:noFill/>
+          </a:ln>
+        </p:spPr>
+        <p:txBody>
+          <a:bodyPr spcFirstLastPara="1" wrap="square" lIns="91422" tIns="91422" rIns="91422" bIns="91422" anchor="ctr" anchorCtr="0">
+            <a:noAutofit/>
+          </a:bodyPr>
+          <a:lstStyle/>
+          <a:p>
+            <a:pPr marL="0" lvl="0" indent="0" algn="l">
+              <a:spcBef>
+                <a:spcPts val="0"/>
+              </a:spcBef>
+              <a:spcAft>
+                <a:spcPts val="0"/>
+              </a:spcAft>
+              <a:buNone/>
+              <a:defRPr/>
+            </a:pPr>
+            <a:endParaRPr/>
+          </a:p>
+        </p:txBody>
+      </p:sp>
+      <p:sp>
+        <p:nvSpPr>
+          <p:cNvPr id="6" name="Google Shape;269;p55" hidden="0"/>
+          <p:cNvSpPr/>
+          <p:nvPr isPhoto="0" userDrawn="0"/>
+        </p:nvSpPr>
+        <p:spPr bwMode="auto">
+          <a:xfrm>
+            <a:off x="84240" y="6402240"/>
+            <a:ext cx="640440" cy="363960"/>
+          </a:xfrm>
+          <a:prstGeom prst="rect">
+            <a:avLst/>
+          </a:prstGeom>
+          <a:noFill/>
+          <a:ln>
+            <a:noFill/>
+          </a:ln>
+        </p:spPr>
+        <p:txBody>
+          <a:bodyPr spcFirstLastPara="1" wrap="square" lIns="90000" tIns="45000" rIns="90000" bIns="45000" anchor="ctr" anchorCtr="0">
+            <a:noAutofit/>
+          </a:bodyPr>
+          <a:lstStyle/>
+          <a:p>
+            <a:pPr marL="0" marR="0" lvl="0" indent="0" algn="r">
+              <a:lnSpc>
+                <a:spcPct val="100000"/>
+              </a:lnSpc>
+              <a:spcBef>
+                <a:spcPts val="0"/>
+              </a:spcBef>
+              <a:spcAft>
+                <a:spcPts val="0"/>
+              </a:spcAft>
+              <a:buNone/>
+              <a:defRPr/>
+            </a:pPr>
+            <a:fld id="{B5BE23F9-E0D8-1C6D-36CE-CF403638F720}" type="slidenum">
+              <a:rPr lang="pt-BR" sz="1000" b="0" i="0" u="none" strike="noStrike" cap="none">
+                <a:solidFill>
+                  <a:srgbClr val="B2B2B2"/>
+                </a:solidFill>
+                <a:latin typeface="Verdana"/>
+                <a:ea typeface="Verdana"/>
+                <a:cs typeface="Verdana"/>
+              </a:rPr>
+              <a:t/>
+            </a:fld>
+            <a:endParaRPr sz="1000" b="0" i="0" u="none" strike="noStrike" cap="none">
+              <a:solidFill>
+                <a:schemeClr val="dk1"/>
+              </a:solidFill>
+              <a:latin typeface="Arial"/>
+              <a:ea typeface="Arial"/>
+              <a:cs typeface="Arial"/>
+            </a:endParaRPr>
+          </a:p>
+        </p:txBody>
+      </p:sp>
+      <p:sp>
+        <p:nvSpPr>
+          <p:cNvPr id="7" name="Google Shape;270;p55" hidden="0"/>
+          <p:cNvSpPr>
+            <a:spLocks noAdjustHandles="0" noChangeArrowheads="0"/>
+          </p:cNvSpPr>
+          <p:nvPr isPhoto="0" userDrawn="0"/>
+        </p:nvSpPr>
+        <p:spPr bwMode="auto">
+          <a:xfrm flipH="0" flipV="0">
+            <a:off x="309226" y="1588486"/>
+            <a:ext cx="8704380" cy="4976427"/>
+          </a:xfrm>
+          <a:prstGeom prst="rect">
+            <a:avLst/>
+          </a:prstGeom>
+          <a:noFill/>
+          <a:ln>
+            <a:noFill/>
+          </a:ln>
+        </p:spPr>
+        <p:txBody>
+          <a:bodyPr spcFirstLastPara="1" wrap="square" lIns="91422" tIns="45695" rIns="91422" bIns="45695" anchor="t" anchorCtr="0">
+            <a:noAutofit/>
+          </a:bodyPr>
+          <a:lstStyle/>
+          <a:p>
+            <a:pPr>
+              <a:defRPr/>
+            </a:pPr>
+            <a:endParaRPr/>
+          </a:p>
+        </p:txBody>
+      </p:sp>
+      <p:sp>
+        <p:nvSpPr>
+          <p:cNvPr id="8" name="Google Shape;270;p55" hidden="0"/>
+          <p:cNvSpPr>
+            <a:spLocks noAdjustHandles="0" noChangeArrowheads="0"/>
+          </p:cNvSpPr>
+          <p:nvPr isPhoto="0" userDrawn="0"/>
+        </p:nvSpPr>
+        <p:spPr bwMode="auto">
+          <a:xfrm flipH="0" flipV="0">
+            <a:off x="309226" y="1588486"/>
+            <a:ext cx="8704380" cy="4976427"/>
+          </a:xfrm>
+          <a:prstGeom prst="rect">
+            <a:avLst/>
+          </a:prstGeom>
+          <a:noFill/>
+          <a:ln>
+            <a:noFill/>
+          </a:ln>
+        </p:spPr>
+        <p:txBody>
+          <a:bodyPr spcFirstLastPara="1" wrap="square" lIns="91422" tIns="45695" rIns="91422" bIns="45695" anchor="t" anchorCtr="0">
+            <a:noAutofit/>
+          </a:bodyPr>
+          <a:lstStyle/>
+          <a:p>
+            <a:pPr algn="l">
+              <a:defRPr/>
+            </a:pPr>
+            <a:endParaRPr sz="2400" b="1" u="sng">
+              <a:solidFill>
+                <a:schemeClr val="accent2"/>
+              </a:solidFill>
+            </a:endParaRPr>
+          </a:p>
+          <a:p>
+            <a:pPr algn="l">
+              <a:defRPr/>
+            </a:pPr>
+            <a:r>
+              <a:rPr sz="2400" b="0" u="none">
+                <a:solidFill>
+                  <a:schemeClr val="tx1"/>
+                </a:solidFill>
+              </a:rPr>
+              <a:t>Dadas N cidades, escolher um caminho fechado (tour) tal que</a:t>
+            </a:r>
+            <a:endParaRPr sz="2400" b="0" u="none">
+              <a:solidFill>
+                <a:schemeClr val="tx1"/>
+              </a:solidFill>
+            </a:endParaRPr>
+          </a:p>
+          <a:p>
+            <a:pPr algn="l">
+              <a:defRPr/>
+            </a:pPr>
+            <a:endParaRPr sz="2400" b="0" u="none">
+              <a:solidFill>
+                <a:schemeClr val="tx1"/>
+              </a:solidFill>
+            </a:endParaRPr>
+          </a:p>
+          <a:p>
+            <a:pPr algn="l">
+              <a:defRPr/>
+            </a:pPr>
+            <a:endParaRPr sz="2400" b="0" u="none">
+              <a:solidFill>
+                <a:schemeClr val="tx1"/>
+              </a:solidFill>
+            </a:endParaRPr>
+          </a:p>
+          <a:p>
+            <a:pPr marL="394021" indent="-394021" algn="l">
+              <a:lnSpc>
+                <a:spcPct val="150000"/>
+              </a:lnSpc>
+              <a:buFont typeface="Arial"/>
+              <a:buChar char="•"/>
+              <a:defRPr/>
+            </a:pPr>
+            <a:r>
+              <a:rPr sz="2400" b="0" u="none">
+                <a:solidFill>
+                  <a:schemeClr val="tx1"/>
+                </a:solidFill>
+              </a:rPr>
+              <a:t>cada cidade é visitada somente uma vez</a:t>
+            </a:r>
+            <a:endParaRPr sz="2400" b="0" u="none">
+              <a:solidFill>
+                <a:schemeClr val="tx1"/>
+              </a:solidFill>
+            </a:endParaRPr>
+          </a:p>
+          <a:p>
+            <a:pPr marL="394021" indent="-394021" algn="l">
+              <a:lnSpc>
+                <a:spcPct val="150000"/>
+              </a:lnSpc>
+              <a:buFont typeface="Arial"/>
+              <a:buChar char="•"/>
+              <a:defRPr/>
+            </a:pPr>
+            <a:r>
+              <a:rPr sz="2400" b="0" u="none">
+                <a:solidFill>
+                  <a:schemeClr val="tx1"/>
+                </a:solidFill>
+              </a:rPr>
+              <a:t>o caminho é o mais curto possível</a:t>
+            </a:r>
+            <a:endParaRPr sz="2400" b="0" u="none">
+              <a:solidFill>
+                <a:schemeClr val="tx1"/>
+              </a:solidFill>
+            </a:endParaRPr>
+          </a:p>
+          <a:p>
+            <a:pPr algn="l">
+              <a:lnSpc>
+                <a:spcPct val="150000"/>
+              </a:lnSpc>
+              <a:defRPr/>
+            </a:pPr>
+            <a:endParaRPr sz="2400" b="0" u="none">
+              <a:solidFill>
+                <a:schemeClr val="tx1"/>
+              </a:solidFill>
+            </a:endParaRPr>
+          </a:p>
+          <a:p>
+            <a:pPr algn="ctr">
+              <a:defRPr/>
+            </a:pPr>
+            <a:r>
+              <a:rPr sz="2800" b="1" u="none">
+                <a:solidFill>
+                  <a:srgbClr val="C00026"/>
+                </a:solidFill>
+              </a:rPr>
+              <a:t>Problema de otimização difícil</a:t>
+            </a:r>
+            <a:endParaRPr sz="2800" b="1" u="none">
+              <a:solidFill>
+                <a:srgbClr val="C00026"/>
+              </a:solidFill>
+            </a:endParaRPr>
+          </a:p>
+        </p:txBody>
+      </p:sp>
+    </p:spTree>
+  </p:cSld>
+  <p:clrMapOvr>
+    <a:masterClrMapping/>
+  </p:clrMapOvr>
+  <mc:AlternateContent xmlns:mc="http://schemas.openxmlformats.org/markup-compatibility/2006">
+    <mc:Choice xmlns:p14="http://schemas.microsoft.com/office/powerpoint/2010/main" Requires="p14">
+      <p:transition p14:dur="2000" advClick="1"/>
+    </mc:Choice>
+    <mc:Fallback>
+      <p:transition advClick="1"/>
+    </mc:Fallback>
+  </mc:AlternateContent>
+</p:sld>
+</file>
+
+<file path=ppt/slides/slide12.xml><?xml version="1.0" encoding="utf-8"?>
+<p:sld xmlns:a="http://schemas.openxmlformats.org/drawingml/2006/main" xmlns:r="http://schemas.openxmlformats.org/officeDocument/2006/relationships" xmlns:p="http://schemas.openxmlformats.org/presentationml/2006/main" xmlns:m="http://schemas.openxmlformats.org/officeDocument/2006/math" xmlns:w="http://schemas.openxmlformats.org/wordprocessingml/2006/main" showMasterPhAnim="0" show="1">
+  <p:cSld name="">
+    <p:spTree>
+      <p:nvGrpSpPr>
+        <p:cNvPr id="1" name="" hidden="0"/>
+        <p:cNvGrpSpPr/>
+        <p:nvPr isPhoto="0" userDrawn="0"/>
+      </p:nvGrpSpPr>
+      <p:grpSpPr bwMode="auto">
+        <a:xfrm>
+          <a:off x="0" y="0"/>
+          <a:ext cx="0" cy="0"/>
+          <a:chOff x="0" y="0"/>
+          <a:chExt cx="0" cy="0"/>
+        </a:xfrm>
+      </p:grpSpPr>
+      <p:sp>
+        <p:nvSpPr>
+          <p:cNvPr id="4" name="Google Shape;267;p55" hidden="0"/>
+          <p:cNvSpPr/>
+          <p:nvPr isPhoto="0" userDrawn="0"/>
+        </p:nvSpPr>
+        <p:spPr bwMode="auto">
+          <a:xfrm>
+            <a:off x="457200" y="781200"/>
+            <a:ext cx="8228520" cy="618120"/>
+          </a:xfrm>
+          <a:prstGeom prst="rect">
+            <a:avLst/>
+          </a:prstGeom>
+          <a:noFill/>
+          <a:ln>
+            <a:noFill/>
+          </a:ln>
+        </p:spPr>
+        <p:txBody>
+          <a:bodyPr spcFirstLastPara="1" wrap="square" lIns="90000" tIns="45000" rIns="90000" bIns="45000" anchor="t" anchorCtr="0">
+            <a:noAutofit/>
+          </a:bodyPr>
+          <a:lstStyle/>
+          <a:p>
+            <a:pPr marL="0" marR="0" lvl="0" indent="0" algn="l">
+              <a:lnSpc>
+                <a:spcPct val="100000"/>
+              </a:lnSpc>
+              <a:spcBef>
+                <a:spcPts val="0"/>
+              </a:spcBef>
+              <a:spcAft>
+                <a:spcPts val="0"/>
+              </a:spcAft>
+              <a:buNone/>
+              <a:defRPr/>
+            </a:pPr>
+            <a:r>
+              <a:rPr lang="pt-BR" sz="3200" b="0" i="0" u="none" strike="noStrike" cap="none">
+                <a:solidFill>
+                  <a:srgbClr val="C00026"/>
+                </a:solidFill>
+                <a:latin typeface="Verdana"/>
+                <a:ea typeface="Verdana"/>
+                <a:cs typeface="Verdana"/>
+              </a:rPr>
+              <a:t>Projeto - Travelling Salesperson (TSP)</a:t>
+            </a:r>
+            <a:endParaRPr sz="3200" b="0" i="0" u="none" strike="noStrike" cap="none">
+              <a:solidFill>
+                <a:schemeClr val="dk1"/>
+              </a:solidFill>
+              <a:latin typeface="Arial"/>
+              <a:ea typeface="Arial"/>
+              <a:cs typeface="Arial"/>
+            </a:endParaRPr>
+          </a:p>
+        </p:txBody>
+      </p:sp>
+      <p:sp>
+        <p:nvSpPr>
+          <p:cNvPr id="5" name="Google Shape;268;p55" hidden="0"/>
+          <p:cNvSpPr/>
+          <p:nvPr isPhoto="0" userDrawn="0"/>
+        </p:nvSpPr>
+        <p:spPr bwMode="auto">
+          <a:xfrm>
+            <a:off x="162000" y="85680"/>
+            <a:ext cx="7228440" cy="351360"/>
+          </a:xfrm>
+          <a:prstGeom prst="rect">
+            <a:avLst/>
+          </a:prstGeom>
+          <a:noFill/>
+          <a:ln>
+            <a:noFill/>
+          </a:ln>
+        </p:spPr>
+        <p:txBody>
+          <a:bodyPr spcFirstLastPara="1" wrap="square" lIns="91422" tIns="91422" rIns="91422" bIns="91422" anchor="ctr" anchorCtr="0">
+            <a:noAutofit/>
+          </a:bodyPr>
+          <a:lstStyle/>
+          <a:p>
+            <a:pPr marL="0" lvl="0" indent="0" algn="l">
+              <a:spcBef>
+                <a:spcPts val="0"/>
+              </a:spcBef>
+              <a:spcAft>
+                <a:spcPts val="0"/>
+              </a:spcAft>
+              <a:buNone/>
+              <a:defRPr/>
+            </a:pPr>
+            <a:endParaRPr/>
+          </a:p>
+        </p:txBody>
+      </p:sp>
+      <p:sp>
+        <p:nvSpPr>
+          <p:cNvPr id="6" name="Google Shape;269;p55" hidden="0"/>
+          <p:cNvSpPr/>
+          <p:nvPr isPhoto="0" userDrawn="0"/>
+        </p:nvSpPr>
+        <p:spPr bwMode="auto">
+          <a:xfrm>
+            <a:off x="84240" y="6402240"/>
+            <a:ext cx="640440" cy="363960"/>
+          </a:xfrm>
+          <a:prstGeom prst="rect">
+            <a:avLst/>
+          </a:prstGeom>
+          <a:noFill/>
+          <a:ln>
+            <a:noFill/>
+          </a:ln>
+        </p:spPr>
+        <p:txBody>
+          <a:bodyPr spcFirstLastPara="1" wrap="square" lIns="90000" tIns="45000" rIns="90000" bIns="45000" anchor="ctr" anchorCtr="0">
+            <a:noAutofit/>
+          </a:bodyPr>
+          <a:lstStyle/>
+          <a:p>
+            <a:pPr marL="0" marR="0" lvl="0" indent="0" algn="r">
+              <a:lnSpc>
+                <a:spcPct val="100000"/>
+              </a:lnSpc>
+              <a:spcBef>
+                <a:spcPts val="0"/>
+              </a:spcBef>
+              <a:spcAft>
+                <a:spcPts val="0"/>
+              </a:spcAft>
+              <a:buNone/>
+              <a:defRPr/>
+            </a:pPr>
+            <a:fld id="{9E4FE590-11FA-6D0E-3D5A-801B6F9BD2F0}" type="slidenum">
+              <a:rPr lang="pt-BR" sz="1000" b="0" i="0" u="none" strike="noStrike" cap="none">
+                <a:solidFill>
+                  <a:srgbClr val="B2B2B2"/>
+                </a:solidFill>
+                <a:latin typeface="Verdana"/>
+                <a:ea typeface="Verdana"/>
+                <a:cs typeface="Verdana"/>
+              </a:rPr>
+              <a:t/>
+            </a:fld>
+            <a:endParaRPr sz="1000" b="0" i="0" u="none" strike="noStrike" cap="none">
+              <a:solidFill>
+                <a:schemeClr val="dk1"/>
+              </a:solidFill>
+              <a:latin typeface="Arial"/>
+              <a:ea typeface="Arial"/>
+              <a:cs typeface="Arial"/>
+            </a:endParaRPr>
+          </a:p>
+        </p:txBody>
+      </p:sp>
+      <p:sp>
+        <p:nvSpPr>
+          <p:cNvPr id="7" name="Google Shape;270;p55" hidden="0"/>
+          <p:cNvSpPr>
+            <a:spLocks noAdjustHandles="0" noChangeArrowheads="0"/>
+          </p:cNvSpPr>
+          <p:nvPr isPhoto="0" userDrawn="0"/>
+        </p:nvSpPr>
+        <p:spPr bwMode="auto">
+          <a:xfrm flipH="0" flipV="0">
+            <a:off x="309226" y="1588486"/>
+            <a:ext cx="8704380" cy="4976427"/>
+          </a:xfrm>
+          <a:prstGeom prst="rect">
+            <a:avLst/>
+          </a:prstGeom>
+          <a:noFill/>
+          <a:ln>
+            <a:noFill/>
+          </a:ln>
+        </p:spPr>
+        <p:txBody>
+          <a:bodyPr spcFirstLastPara="1" wrap="square" lIns="91422" tIns="45695" rIns="91422" bIns="45695" anchor="t" anchorCtr="0">
+            <a:noAutofit/>
+          </a:bodyPr>
+          <a:lstStyle/>
+          <a:p>
+            <a:pPr>
+              <a:defRPr/>
+            </a:pPr>
+            <a:endParaRPr/>
+          </a:p>
+        </p:txBody>
+      </p:sp>
+      <p:sp>
+        <p:nvSpPr>
+          <p:cNvPr id="8" name="Google Shape;270;p55" hidden="0"/>
+          <p:cNvSpPr>
+            <a:spLocks noAdjustHandles="0" noChangeArrowheads="0"/>
+          </p:cNvSpPr>
+          <p:nvPr isPhoto="0" userDrawn="0"/>
+        </p:nvSpPr>
+        <p:spPr bwMode="auto">
+          <a:xfrm flipH="0" flipV="0">
+            <a:off x="309226" y="1588486"/>
+            <a:ext cx="8704380" cy="4976427"/>
+          </a:xfrm>
+          <a:prstGeom prst="rect">
+            <a:avLst/>
+          </a:prstGeom>
+          <a:noFill/>
+          <a:ln>
+            <a:noFill/>
+          </a:ln>
+        </p:spPr>
+        <p:txBody>
+          <a:bodyPr spcFirstLastPara="1" wrap="square" lIns="91422" tIns="45695" rIns="91422" bIns="45695" anchor="t" anchorCtr="0">
+            <a:noAutofit/>
+          </a:bodyPr>
+          <a:lstStyle/>
+          <a:p>
+            <a:pPr algn="l">
+              <a:defRPr/>
+            </a:pPr>
+            <a:endParaRPr sz="2400" b="1" u="sng">
+              <a:solidFill>
+                <a:schemeClr val="accent2"/>
+              </a:solidFill>
+            </a:endParaRPr>
+          </a:p>
+          <a:p>
+            <a:pPr algn="l">
+              <a:defRPr/>
+            </a:pPr>
+            <a:r>
+              <a:rPr sz="2400" b="0" u="none">
+                <a:solidFill>
+                  <a:schemeClr val="tx1"/>
+                </a:solidFill>
+              </a:rPr>
+              <a:t>Teremos três grandes partes no projeto</a:t>
+            </a:r>
+            <a:endParaRPr sz="2400" b="0" u="none">
+              <a:solidFill>
+                <a:schemeClr val="tx1"/>
+              </a:solidFill>
+            </a:endParaRPr>
+          </a:p>
+          <a:p>
+            <a:pPr algn="l">
+              <a:defRPr/>
+            </a:pPr>
+            <a:endParaRPr sz="2400" b="0" u="none">
+              <a:solidFill>
+                <a:schemeClr val="tx1"/>
+              </a:solidFill>
+            </a:endParaRPr>
+          </a:p>
+          <a:p>
+            <a:pPr marL="394021" indent="-394021" algn="l">
+              <a:lnSpc>
+                <a:spcPct val="150000"/>
+              </a:lnSpc>
+              <a:buFont typeface="Arial"/>
+              <a:buChar char="•"/>
+              <a:defRPr/>
+            </a:pPr>
+            <a:r>
+              <a:rPr sz="2400" b="0" u="none">
+                <a:solidFill>
+                  <a:schemeClr val="tx1"/>
+                </a:solidFill>
+              </a:rPr>
+              <a:t>algoritmos</a:t>
+            </a:r>
+            <a:endParaRPr sz="2400" b="0" u="none">
+              <a:solidFill>
+                <a:schemeClr val="tx1"/>
+              </a:solidFill>
+            </a:endParaRPr>
+          </a:p>
+          <a:p>
+            <a:pPr marL="394021" indent="-394021" algn="l">
+              <a:lnSpc>
+                <a:spcPct val="150000"/>
+              </a:lnSpc>
+              <a:buFont typeface="Arial"/>
+              <a:buChar char="•"/>
+              <a:defRPr/>
+            </a:pPr>
+            <a:r>
+              <a:rPr sz="2400" b="0" u="none">
+                <a:solidFill>
+                  <a:schemeClr val="tx1"/>
+                </a:solidFill>
+              </a:rPr>
+              <a:t>análise de desempenho</a:t>
+            </a:r>
+            <a:endParaRPr sz="2400" b="0" u="none">
+              <a:solidFill>
+                <a:schemeClr val="tx1"/>
+              </a:solidFill>
+            </a:endParaRPr>
+          </a:p>
+          <a:p>
+            <a:pPr marL="394021" indent="-394021" algn="l">
+              <a:lnSpc>
+                <a:spcPct val="150000"/>
+              </a:lnSpc>
+              <a:buFont typeface="Arial"/>
+              <a:buChar char="•"/>
+              <a:defRPr/>
+            </a:pPr>
+            <a:r>
+              <a:rPr sz="2400" b="0" u="none">
+                <a:solidFill>
+                  <a:schemeClr val="tx1"/>
+                </a:solidFill>
+              </a:rPr>
+              <a:t>paralelismo</a:t>
+            </a:r>
+            <a:endParaRPr sz="2400" b="0" u="none">
+              <a:solidFill>
+                <a:schemeClr val="tx1"/>
+              </a:solidFill>
+            </a:endParaRPr>
+          </a:p>
+          <a:p>
+            <a:pPr marL="394021" indent="-394021" algn="l">
+              <a:lnSpc>
+                <a:spcPct val="150000"/>
+              </a:lnSpc>
+              <a:buFont typeface="Arial"/>
+              <a:buChar char="•"/>
+              <a:defRPr/>
+            </a:pPr>
+            <a:endParaRPr sz="2400" b="0" u="none">
+              <a:solidFill>
+                <a:schemeClr val="tx1"/>
+              </a:solidFill>
+            </a:endParaRPr>
+          </a:p>
+          <a:p>
+            <a:pPr algn="l">
+              <a:lnSpc>
+                <a:spcPct val="150000"/>
+              </a:lnSpc>
+              <a:defRPr/>
+            </a:pPr>
+            <a:r>
+              <a:rPr sz="2400" b="0" u="none">
+                <a:solidFill>
+                  <a:schemeClr val="tx1"/>
+                </a:solidFill>
+              </a:rPr>
+              <a:t>Toda parte será conectada com alguma aula, em que faremos discussões e fixaremos um prazo para os exercícios</a:t>
+            </a:r>
+            <a:endParaRPr sz="2400" b="0" u="none">
+              <a:solidFill>
+                <a:schemeClr val="tx1"/>
+              </a:solidFill>
+            </a:endParaRPr>
+          </a:p>
+          <a:p>
+            <a:pPr algn="l">
+              <a:lnSpc>
+                <a:spcPct val="150000"/>
+              </a:lnSpc>
+              <a:defRPr/>
+            </a:pPr>
+            <a:endParaRPr sz="2400" b="0" u="none">
+              <a:solidFill>
+                <a:schemeClr val="tx1"/>
+              </a:solidFill>
+            </a:endParaRPr>
+          </a:p>
+          <a:p>
+            <a:pPr algn="ctr">
+              <a:defRPr/>
+            </a:pPr>
+            <a:endParaRPr sz="2800" b="1" u="none">
+              <a:solidFill>
+                <a:srgbClr val="C00026"/>
+              </a:solidFill>
+            </a:endParaRPr>
+          </a:p>
+        </p:txBody>
+      </p:sp>
+    </p:spTree>
+  </p:cSld>
+  <p:clrMapOvr>
+    <a:masterClrMapping/>
+  </p:clrMapOvr>
+  <mc:AlternateContent xmlns:mc="http://schemas.openxmlformats.org/markup-compatibility/2006">
+    <mc:Choice xmlns:p14="http://schemas.microsoft.com/office/powerpoint/2010/main" Requires="p14">
+      <p:transition p14:dur="2000" advClick="1"/>
+    </mc:Choice>
+    <mc:Fallback>
+      <p:transition advClick="1"/>
+    </mc:Fallback>
+  </mc:AlternateContent>
+</p:sld>
+</file>
+
+<file path=ppt/slides/slide13.xml><?xml version="1.0" encoding="utf-8"?>
+<p:sld xmlns:a="http://schemas.openxmlformats.org/drawingml/2006/main" xmlns:r="http://schemas.openxmlformats.org/officeDocument/2006/relationships" xmlns:p="http://schemas.openxmlformats.org/presentationml/2006/main" xmlns:m="http://schemas.openxmlformats.org/officeDocument/2006/math" xmlns:w="http://schemas.openxmlformats.org/wordprocessingml/2006/main" showMasterPhAnim="0" show="1">
+  <p:cSld name="">
+    <p:spTree>
+      <p:nvGrpSpPr>
+        <p:cNvPr id="1" name="" hidden="0"/>
+        <p:cNvGrpSpPr/>
+        <p:nvPr isPhoto="0" userDrawn="0"/>
+      </p:nvGrpSpPr>
+      <p:grpSpPr bwMode="auto">
+        <a:xfrm>
+          <a:off x="0" y="0"/>
+          <a:ext cx="0" cy="0"/>
+          <a:chOff x="0" y="0"/>
+          <a:chExt cx="0" cy="0"/>
+        </a:xfrm>
+      </p:grpSpPr>
+      <p:sp>
+        <p:nvSpPr>
+          <p:cNvPr id="4" name="Google Shape;267;p55" hidden="0"/>
+          <p:cNvSpPr/>
+          <p:nvPr isPhoto="0" userDrawn="0"/>
+        </p:nvSpPr>
+        <p:spPr bwMode="auto">
+          <a:xfrm>
+            <a:off x="457200" y="781200"/>
+            <a:ext cx="8228520" cy="618120"/>
+          </a:xfrm>
+          <a:prstGeom prst="rect">
+            <a:avLst/>
+          </a:prstGeom>
+          <a:noFill/>
+          <a:ln>
+            <a:noFill/>
+          </a:ln>
+        </p:spPr>
+        <p:txBody>
+          <a:bodyPr spcFirstLastPara="1" wrap="square" lIns="90000" tIns="45000" rIns="90000" bIns="45000" anchor="t" anchorCtr="0">
+            <a:noAutofit/>
+          </a:bodyPr>
+          <a:lstStyle/>
+          <a:p>
+            <a:pPr marL="0" marR="0" lvl="0" indent="0" algn="l">
+              <a:lnSpc>
+                <a:spcPct val="100000"/>
+              </a:lnSpc>
+              <a:spcBef>
+                <a:spcPts val="0"/>
+              </a:spcBef>
+              <a:spcAft>
+                <a:spcPts val="0"/>
+              </a:spcAft>
+              <a:buNone/>
+              <a:defRPr/>
+            </a:pPr>
+            <a:r>
+              <a:rPr lang="pt-BR" sz="3200" b="0" i="0" u="none" strike="noStrike" cap="none">
+                <a:solidFill>
+                  <a:srgbClr val="C00026"/>
+                </a:solidFill>
+                <a:latin typeface="Verdana"/>
+                <a:ea typeface="Verdana"/>
+                <a:cs typeface="Verdana"/>
+              </a:rPr>
+              <a:t>Projeto - Travelling Salesperson (TSP)</a:t>
+            </a:r>
+            <a:endParaRPr sz="3200" b="0" i="0" u="none" strike="noStrike" cap="none">
+              <a:solidFill>
+                <a:schemeClr val="dk1"/>
+              </a:solidFill>
+              <a:latin typeface="Arial"/>
+              <a:ea typeface="Arial"/>
+              <a:cs typeface="Arial"/>
+            </a:endParaRPr>
+          </a:p>
+        </p:txBody>
+      </p:sp>
+      <p:sp>
+        <p:nvSpPr>
+          <p:cNvPr id="5" name="Google Shape;268;p55" hidden="0"/>
+          <p:cNvSpPr/>
+          <p:nvPr isPhoto="0" userDrawn="0"/>
+        </p:nvSpPr>
+        <p:spPr bwMode="auto">
+          <a:xfrm>
+            <a:off x="162000" y="85680"/>
+            <a:ext cx="7228440" cy="351360"/>
+          </a:xfrm>
+          <a:prstGeom prst="rect">
+            <a:avLst/>
+          </a:prstGeom>
+          <a:noFill/>
+          <a:ln>
+            <a:noFill/>
+          </a:ln>
+        </p:spPr>
+        <p:txBody>
+          <a:bodyPr spcFirstLastPara="1" wrap="square" lIns="91422" tIns="91422" rIns="91422" bIns="91422" anchor="ctr" anchorCtr="0">
+            <a:noAutofit/>
+          </a:bodyPr>
+          <a:lstStyle/>
+          <a:p>
+            <a:pPr marL="0" lvl="0" indent="0" algn="l">
+              <a:spcBef>
+                <a:spcPts val="0"/>
+              </a:spcBef>
+              <a:spcAft>
+                <a:spcPts val="0"/>
+              </a:spcAft>
+              <a:buNone/>
+              <a:defRPr/>
+            </a:pPr>
+            <a:endParaRPr/>
+          </a:p>
+        </p:txBody>
+      </p:sp>
+      <p:sp>
+        <p:nvSpPr>
+          <p:cNvPr id="6" name="Google Shape;269;p55" hidden="0"/>
+          <p:cNvSpPr/>
+          <p:nvPr isPhoto="0" userDrawn="0"/>
+        </p:nvSpPr>
+        <p:spPr bwMode="auto">
+          <a:xfrm>
+            <a:off x="84240" y="6402240"/>
+            <a:ext cx="640440" cy="363960"/>
+          </a:xfrm>
+          <a:prstGeom prst="rect">
+            <a:avLst/>
+          </a:prstGeom>
+          <a:noFill/>
+          <a:ln>
+            <a:noFill/>
+          </a:ln>
+        </p:spPr>
+        <p:txBody>
+          <a:bodyPr spcFirstLastPara="1" wrap="square" lIns="90000" tIns="45000" rIns="90000" bIns="45000" anchor="ctr" anchorCtr="0">
+            <a:noAutofit/>
+          </a:bodyPr>
+          <a:lstStyle/>
+          <a:p>
+            <a:pPr marL="0" marR="0" lvl="0" indent="0" algn="r">
+              <a:lnSpc>
+                <a:spcPct val="100000"/>
+              </a:lnSpc>
+              <a:spcBef>
+                <a:spcPts val="0"/>
+              </a:spcBef>
+              <a:spcAft>
+                <a:spcPts val="0"/>
+              </a:spcAft>
+              <a:buNone/>
+              <a:defRPr/>
+            </a:pPr>
+            <a:fld id="{18393B96-D236-0CF2-FF85-82FF17724159}" type="slidenum">
+              <a:rPr lang="pt-BR" sz="1000" b="0" i="0" u="none" strike="noStrike" cap="none">
+                <a:solidFill>
+                  <a:srgbClr val="B2B2B2"/>
+                </a:solidFill>
+                <a:latin typeface="Verdana"/>
+                <a:ea typeface="Verdana"/>
+                <a:cs typeface="Verdana"/>
+              </a:rPr>
+              <a:t/>
+            </a:fld>
+            <a:endParaRPr sz="1000" b="0" i="0" u="none" strike="noStrike" cap="none">
+              <a:solidFill>
+                <a:schemeClr val="dk1"/>
+              </a:solidFill>
+              <a:latin typeface="Arial"/>
+              <a:ea typeface="Arial"/>
+              <a:cs typeface="Arial"/>
+            </a:endParaRPr>
+          </a:p>
+        </p:txBody>
+      </p:sp>
+      <p:sp>
+        <p:nvSpPr>
+          <p:cNvPr id="7" name="Google Shape;270;p55" hidden="0"/>
+          <p:cNvSpPr>
+            <a:spLocks noAdjustHandles="0" noChangeArrowheads="0"/>
+          </p:cNvSpPr>
+          <p:nvPr isPhoto="0" userDrawn="0"/>
+        </p:nvSpPr>
+        <p:spPr bwMode="auto">
+          <a:xfrm flipH="0" flipV="0">
+            <a:off x="309226" y="1588486"/>
+            <a:ext cx="8704380" cy="4976427"/>
+          </a:xfrm>
+          <a:prstGeom prst="rect">
+            <a:avLst/>
+          </a:prstGeom>
+          <a:noFill/>
+          <a:ln>
+            <a:noFill/>
+          </a:ln>
+        </p:spPr>
+        <p:txBody>
+          <a:bodyPr spcFirstLastPara="1" wrap="square" lIns="91422" tIns="45695" rIns="91422" bIns="45695" anchor="t" anchorCtr="0">
+            <a:noAutofit/>
+          </a:bodyPr>
+          <a:lstStyle/>
+          <a:p>
+            <a:pPr>
+              <a:defRPr/>
+            </a:pPr>
+            <a:endParaRPr/>
+          </a:p>
+        </p:txBody>
+      </p:sp>
+      <p:sp>
+        <p:nvSpPr>
+          <p:cNvPr id="8" name="Google Shape;270;p55" hidden="0"/>
+          <p:cNvSpPr>
+            <a:spLocks noAdjustHandles="0" noChangeArrowheads="0"/>
+          </p:cNvSpPr>
+          <p:nvPr isPhoto="0" userDrawn="0"/>
+        </p:nvSpPr>
+        <p:spPr bwMode="auto">
+          <a:xfrm flipH="0" flipV="0">
+            <a:off x="309226" y="1588486"/>
+            <a:ext cx="8704380" cy="4976427"/>
+          </a:xfrm>
+          <a:prstGeom prst="rect">
+            <a:avLst/>
+          </a:prstGeom>
+          <a:noFill/>
+          <a:ln>
+            <a:noFill/>
+          </a:ln>
+        </p:spPr>
+        <p:txBody>
+          <a:bodyPr spcFirstLastPara="1" vertOverflow="overflow" horzOverflow="clip" vert="horz" wrap="square" lIns="91422" tIns="45695" rIns="91422" bIns="45695" numCol="1" spcCol="0" rtlCol="0" fromWordArt="0" anchor="ctr" anchorCtr="0" forceAA="0" upright="0" compatLnSpc="0">
+            <a:noAutofit/>
+          </a:bodyPr>
+          <a:lstStyle/>
+          <a:p>
+            <a:pPr algn="ctr">
+              <a:defRPr/>
+            </a:pPr>
+            <a:r>
+              <a:rPr lang="en-US" sz="2400" b="1" i="0" u="sng" strike="noStrike" cap="none" spc="0">
+                <a:solidFill>
+                  <a:schemeClr val="accent2"/>
+                </a:solidFill>
+                <a:latin typeface="Arial"/>
+                <a:ea typeface="Arial"/>
+                <a:cs typeface="Arial"/>
+              </a:rPr>
+              <a:t>https://insper.github.io/supercomp/projetos/</a:t>
+            </a:r>
+            <a:endParaRPr sz="2400" b="1" u="sng">
+              <a:solidFill>
+                <a:schemeClr val="accent2"/>
+              </a:solidFill>
+            </a:endParaRPr>
+          </a:p>
+        </p:txBody>
+      </p:sp>
+    </p:spTree>
+  </p:cSld>
+  <p:clrMapOvr>
+    <a:masterClrMapping/>
+  </p:clrMapOvr>
+  <mc:AlternateContent xmlns:mc="http://schemas.openxmlformats.org/markup-compatibility/2006">
+    <mc:Choice xmlns:p14="http://schemas.microsoft.com/office/powerpoint/2010/main" Requires="p14">
+      <p:transition p14:dur="2000" advClick="1"/>
+    </mc:Choice>
+    <mc:Fallback>
+      <p:transition advClick="1"/>
+    </mc:Fallback>
+  </mc:AlternateContent>
+</p:sld>
+</file>
+
+<file path=ppt/slides/slide14.xml><?xml version="1.0" encoding="utf-8"?>
+<p:sld xmlns:a="http://schemas.openxmlformats.org/drawingml/2006/main" xmlns:r="http://schemas.openxmlformats.org/officeDocument/2006/relationships" xmlns:p="http://schemas.openxmlformats.org/presentationml/2006/main" xmlns:m="http://schemas.openxmlformats.org/officeDocument/2006/math" xmlns:w="http://schemas.openxmlformats.org/wordprocessingml/2006/main" showMasterPhAnim="0" show="1">
+  <p:cSld name="">
+    <p:bg>
+      <p:bgPr shadeToTitle="0">
+        <a:solidFill>
+          <a:srgbClr val="BA0E24"/>
+        </a:solidFill>
+      </p:bgPr>
+    </p:bg>
+    <p:spTree>
+      <p:nvGrpSpPr>
+        <p:cNvPr id="1" name="" hidden="0"/>
+        <p:cNvGrpSpPr/>
+        <p:nvPr isPhoto="0" userDrawn="0"/>
+      </p:nvGrpSpPr>
+      <p:grpSpPr bwMode="auto">
+        <a:xfrm>
+          <a:off x="0" y="0"/>
+          <a:ext cx="0" cy="0"/>
+          <a:chOff x="0" y="0"/>
+          <a:chExt cx="0" cy="0"/>
+        </a:xfrm>
+      </p:grpSpPr>
+      <p:sp>
+        <p:nvSpPr>
+          <p:cNvPr id="4" name="Google Shape;568;p34" hidden="0"/>
+          <p:cNvSpPr/>
+          <p:nvPr isPhoto="0" userDrawn="0"/>
+        </p:nvSpPr>
+        <p:spPr bwMode="auto">
+          <a:xfrm>
+            <a:off x="0" y="0"/>
+            <a:ext cx="9143280" cy="6857280"/>
+          </a:xfrm>
+          <a:prstGeom prst="rect">
+            <a:avLst/>
+          </a:prstGeom>
+          <a:solidFill>
+            <a:srgbClr val="BA0E24"/>
+          </a:solidFill>
+          <a:ln>
+            <a:noFill/>
+          </a:ln>
+          <a:effectLst>
+            <a:outerShdw dist="23040" dir="5400000">
+              <a:srgbClr val="000000">
+                <a:alpha val="34901"/>
+              </a:srgbClr>
+            </a:outerShdw>
+          </a:effectLst>
+        </p:spPr>
+        <p:txBody>
+          <a:bodyPr spcFirstLastPara="1" wrap="square" lIns="91425" tIns="91425" rIns="91425" bIns="91425" anchor="ctr" anchorCtr="0">
+            <a:noAutofit/>
+          </a:bodyPr>
+          <a:lstStyle/>
+          <a:p>
+            <a:pPr marL="0" lvl="0" indent="0" algn="l">
+              <a:spcBef>
+                <a:spcPts val="0"/>
+              </a:spcBef>
+              <a:spcAft>
+                <a:spcPts val="0"/>
+              </a:spcAft>
+              <a:buNone/>
+              <a:defRPr/>
+            </a:pPr>
+            <a:endParaRPr/>
+          </a:p>
+        </p:txBody>
+      </p:sp>
+      <p:sp>
+        <p:nvSpPr>
+          <p:cNvPr id="5" name="Google Shape;569;p34" hidden="0"/>
+          <p:cNvSpPr/>
+          <p:nvPr isPhoto="0" userDrawn="0"/>
+        </p:nvSpPr>
+        <p:spPr bwMode="auto">
+          <a:xfrm>
+            <a:off x="3026880" y="3636000"/>
+            <a:ext cx="3085560" cy="455760"/>
+          </a:xfrm>
+          <a:prstGeom prst="rect">
+            <a:avLst/>
+          </a:prstGeom>
+          <a:noFill/>
+          <a:ln>
+            <a:noFill/>
+          </a:ln>
+        </p:spPr>
+        <p:txBody>
+          <a:bodyPr spcFirstLastPara="1" wrap="square" lIns="90000" tIns="45000" rIns="90000" bIns="45000" anchor="t" anchorCtr="0">
+            <a:noAutofit/>
+          </a:bodyPr>
+          <a:lstStyle/>
+          <a:p>
+            <a:pPr marL="0" marR="0" lvl="0" indent="0" algn="ctr">
+              <a:lnSpc>
+                <a:spcPct val="100000"/>
+              </a:lnSpc>
+              <a:spcBef>
+                <a:spcPts val="0"/>
+              </a:spcBef>
+              <a:spcAft>
+                <a:spcPts val="0"/>
+              </a:spcAft>
+              <a:buNone/>
+              <a:defRPr/>
+            </a:pPr>
+            <a:r>
+              <a:rPr lang="pt-BR" sz="2400" b="0" i="0" u="none" strike="noStrike" cap="none">
+                <a:solidFill>
+                  <a:srgbClr val="FFFFFF"/>
+                </a:solidFill>
+                <a:latin typeface="Verdana"/>
+                <a:ea typeface="Verdana"/>
+                <a:cs typeface="Verdana"/>
+              </a:rPr>
+              <a:t>www.insper.edu.br</a:t>
+            </a:r>
+            <a:endParaRPr sz="2400" b="0" i="0" u="none" strike="noStrike" cap="none">
+              <a:latin typeface="Arial"/>
+              <a:ea typeface="Arial"/>
+              <a:cs typeface="Arial"/>
+            </a:endParaRPr>
+          </a:p>
+        </p:txBody>
+      </p:sp>
+      <p:pic>
+        <p:nvPicPr>
+          <p:cNvPr id="6" name="Google Shape;570;p34" hidden="0"/>
+          <p:cNvPicPr/>
+          <p:nvPr isPhoto="0" userDrawn="0"/>
+        </p:nvPicPr>
+        <p:blipFill>
+          <a:blip r:embed="rId2">
+            <a:alphaModFix/>
+          </a:blip>
+          <a:stretch/>
+        </p:blipFill>
+        <p:spPr bwMode="auto">
+          <a:xfrm>
+            <a:off x="3703320" y="2844720"/>
+            <a:ext cx="1732320" cy="611640"/>
+          </a:xfrm>
+          <a:prstGeom prst="rect">
+            <a:avLst/>
+          </a:prstGeom>
+          <a:noFill/>
+          <a:ln>
+            <a:noFill/>
+          </a:ln>
+        </p:spPr>
+      </p:pic>
+    </p:spTree>
+  </p:cSld>
+  <p:clrMapOvr>
+    <a:masterClrMapping/>
+  </p:clrMapOvr>
+  <mc:AlternateContent xmlns:mc="http://schemas.openxmlformats.org/markup-compatibility/2006">
+    <mc:Choice xmlns:p14="http://schemas.microsoft.com/office/powerpoint/2010/main" Requires="p14">
+      <p:transition p14:dur="2000" advClick="1"/>
+    </mc:Choice>
+    <mc:Fallback>
+      <p:transition advClick="1"/>
+    </mc:Fallback>
+  </mc:AlternateContent>
+</p:sld>
+</file>
+
 <file path=ppt/slides/slide2.xml><?xml version="1.0" encoding="utf-8"?>
+<p:sld xmlns:a="http://schemas.openxmlformats.org/drawingml/2006/main" xmlns:r="http://schemas.openxmlformats.org/officeDocument/2006/relationships" xmlns:p="http://schemas.openxmlformats.org/presentationml/2006/main" xmlns:m="http://schemas.openxmlformats.org/officeDocument/2006/math" xmlns:w="http://schemas.openxmlformats.org/wordprocessingml/2006/main" showMasterPhAnim="0" show="1">
+  <p:cSld name="">
+    <p:spTree>
+      <p:nvGrpSpPr>
+        <p:cNvPr id="1" name="" hidden="0"/>
+        <p:cNvGrpSpPr/>
+        <p:nvPr isPhoto="0" userDrawn="0"/>
+      </p:nvGrpSpPr>
+      <p:grpSpPr bwMode="auto">
+        <a:xfrm>
+          <a:off x="0" y="0"/>
+          <a:ext cx="0" cy="0"/>
+          <a:chOff x="0" y="0"/>
+          <a:chExt cx="0" cy="0"/>
+        </a:xfrm>
+      </p:grpSpPr>
+      <p:sp>
+        <p:nvSpPr>
+          <p:cNvPr id="4" name="Google Shape;260;p54" hidden="0"/>
+          <p:cNvSpPr/>
+          <p:nvPr isPhoto="0" userDrawn="0"/>
+        </p:nvSpPr>
+        <p:spPr bwMode="auto">
+          <a:xfrm>
+            <a:off x="162000" y="85680"/>
+            <a:ext cx="7228440" cy="351360"/>
+          </a:xfrm>
+          <a:prstGeom prst="rect">
+            <a:avLst/>
+          </a:prstGeom>
+          <a:noFill/>
+          <a:ln>
+            <a:noFill/>
+          </a:ln>
+        </p:spPr>
+        <p:txBody>
+          <a:bodyPr spcFirstLastPara="1" wrap="square" lIns="91423" tIns="91423" rIns="91423" bIns="91423" anchor="ctr" anchorCtr="0">
+            <a:noAutofit/>
+          </a:bodyPr>
+          <a:lstStyle/>
+          <a:p>
+            <a:pPr marL="0" lvl="0" indent="0" algn="l">
+              <a:spcBef>
+                <a:spcPts val="0"/>
+              </a:spcBef>
+              <a:spcAft>
+                <a:spcPts val="0"/>
+              </a:spcAft>
+              <a:buNone/>
+              <a:defRPr/>
+            </a:pPr>
+            <a:endParaRPr/>
+          </a:p>
+        </p:txBody>
+      </p:sp>
+      <p:sp>
+        <p:nvSpPr>
+          <p:cNvPr id="5" name="Google Shape;261;p54" hidden="0"/>
+          <p:cNvSpPr/>
+          <p:nvPr isPhoto="0" userDrawn="0"/>
+        </p:nvSpPr>
+        <p:spPr bwMode="auto">
+          <a:xfrm>
+            <a:off x="84240" y="6402240"/>
+            <a:ext cx="640440" cy="363960"/>
+          </a:xfrm>
+          <a:prstGeom prst="rect">
+            <a:avLst/>
+          </a:prstGeom>
+          <a:noFill/>
+          <a:ln>
+            <a:noFill/>
+          </a:ln>
+        </p:spPr>
+        <p:txBody>
+          <a:bodyPr spcFirstLastPara="1" wrap="square" lIns="90000" tIns="45000" rIns="90000" bIns="45000" anchor="ctr" anchorCtr="0">
+            <a:noAutofit/>
+          </a:bodyPr>
+          <a:lstStyle/>
+          <a:p>
+            <a:pPr marL="0" marR="0" lvl="0" indent="0" algn="r">
+              <a:lnSpc>
+                <a:spcPct val="100000"/>
+              </a:lnSpc>
+              <a:spcBef>
+                <a:spcPts val="0"/>
+              </a:spcBef>
+              <a:spcAft>
+                <a:spcPts val="0"/>
+              </a:spcAft>
+              <a:buNone/>
+              <a:defRPr/>
+            </a:pPr>
+            <a:fld id="{8B09B56D-0015-6DCB-AC27-82B0539C99D2}" type="slidenum">
+              <a:rPr lang="pt-BR" sz="1000" b="0" i="0" u="none" strike="noStrike" cap="none">
+                <a:solidFill>
+                  <a:srgbClr val="B2B2B2"/>
+                </a:solidFill>
+                <a:latin typeface="Verdana"/>
+                <a:ea typeface="Verdana"/>
+                <a:cs typeface="Verdana"/>
+              </a:rPr>
+              <a:t/>
+            </a:fld>
+            <a:endParaRPr sz="1000" b="0" i="0" u="none" strike="noStrike" cap="none">
+              <a:solidFill>
+                <a:schemeClr val="dk1"/>
+              </a:solidFill>
+              <a:latin typeface="Arial"/>
+              <a:ea typeface="Arial"/>
+              <a:cs typeface="Arial"/>
+            </a:endParaRPr>
+          </a:p>
+        </p:txBody>
+      </p:sp>
+      <p:sp>
+        <p:nvSpPr>
+          <p:cNvPr id="6" name="Google Shape;262;p54" hidden="0"/>
+          <p:cNvSpPr>
+            <a:spLocks noAdjustHandles="0" noChangeArrowheads="0"/>
+          </p:cNvSpPr>
+          <p:nvPr isPhoto="0" userDrawn="0"/>
+        </p:nvSpPr>
+        <p:spPr bwMode="auto">
+          <a:xfrm>
+            <a:off x="576000" y="1728000"/>
+            <a:ext cx="7920000" cy="3599532"/>
+          </a:xfrm>
+          <a:prstGeom prst="rect">
+            <a:avLst/>
+          </a:prstGeom>
+          <a:noFill/>
+          <a:ln>
+            <a:noFill/>
+          </a:ln>
+        </p:spPr>
+        <p:txBody>
+          <a:bodyPr spcFirstLastPara="1" wrap="square" lIns="90000" tIns="45000" rIns="90000" bIns="45000" anchor="t" anchorCtr="0">
+            <a:noAutofit/>
+          </a:bodyPr>
+          <a:lstStyle/>
+          <a:p>
+            <a:pPr>
+              <a:defRPr/>
+            </a:pPr>
+            <a:endParaRPr/>
+          </a:p>
+        </p:txBody>
+      </p:sp>
+      <p:pic>
+        <p:nvPicPr>
+          <p:cNvPr id="7" name="" hidden="0"/>
+          <p:cNvPicPr>
+            <a:picLocks noChangeAspect="1"/>
+          </p:cNvPicPr>
+          <p:nvPr isPhoto="0" userDrawn="0"/>
+        </p:nvPicPr>
+        <p:blipFill>
+          <a:blip r:embed="rId2"/>
+          <a:stretch/>
+        </p:blipFill>
+        <p:spPr bwMode="auto">
+          <a:xfrm flipH="0" flipV="0">
+            <a:off x="724680" y="437040"/>
+            <a:ext cx="7113274" cy="5913734"/>
+          </a:xfrm>
+          <a:prstGeom prst="rect">
+            <a:avLst/>
+          </a:prstGeom>
+        </p:spPr>
+      </p:pic>
+      <p:sp>
+        <p:nvSpPr>
+          <p:cNvPr id="8" name="" hidden="0"/>
+          <p:cNvSpPr/>
+          <p:nvPr isPhoto="0" userDrawn="0"/>
+        </p:nvSpPr>
+        <p:spPr bwMode="auto">
+          <a:xfrm flipH="0" flipV="0">
+            <a:off x="2656931" y="4935681"/>
+            <a:ext cx="837045" cy="432954"/>
+          </a:xfrm>
+          <a:prstGeom prst="rect">
+            <a:avLst/>
+          </a:prstGeom>
+          <a:noFill/>
+          <a:ln w="25400" cap="flat" cmpd="sng" algn="ctr">
+            <a:solidFill>
+              <a:schemeClr val="accent2"/>
+            </a:solidFill>
+            <a:prstDash val="solid"/>
+          </a:ln>
+        </p:spPr>
+        <p:style>
+          <a:lnRef idx="2">
+            <a:schemeClr val="accent1">
+              <a:shade val="50000"/>
+            </a:schemeClr>
+          </a:lnRef>
+          <a:fillRef idx="1">
+            <a:schemeClr val="accent1"/>
+          </a:fillRef>
+          <a:effectRef idx="0">
+            <a:schemeClr val="accent1"/>
+          </a:effectRef>
+          <a:fontRef idx="minor">
+            <a:schemeClr val="lt1"/>
+          </a:fontRef>
+        </p:style>
+      </p:sp>
+    </p:spTree>
+  </p:cSld>
+  <p:clrMapOvr>
+    <a:masterClrMapping/>
+  </p:clrMapOvr>
+  <mc:AlternateContent xmlns:mc="http://schemas.openxmlformats.org/markup-compatibility/2006">
+    <mc:Choice xmlns:p14="http://schemas.microsoft.com/office/powerpoint/2010/main" Requires="p14">
+      <p:transition p14:dur="2000" advClick="1"/>
+    </mc:Choice>
+    <mc:Fallback>
+      <p:transition advClick="1"/>
+    </mc:Fallback>
+  </mc:AlternateContent>
+</p:sld>
+</file>
+
+<file path=ppt/slides/slide3.xml><?xml version="1.0" encoding="utf-8"?>
 <p:sld xmlns:a="http://schemas.openxmlformats.org/drawingml/2006/main" xmlns:r="http://schemas.openxmlformats.org/officeDocument/2006/relationships" xmlns:p="http://schemas.openxmlformats.org/presentationml/2006/main" xmlns:m="http://schemas.openxmlformats.org/officeDocument/2006/math" xmlns:w="http://schemas.openxmlformats.org/wordprocessingml/2006/main" showMasterPhAnim="0" show="1">
   <p:cSld name="">
     <p:spTree>
@@ -13142,7 +14868,7 @@
           </a:ln>
         </p:spPr>
         <p:txBody>
-          <a:bodyPr spcFirstLastPara="1" wrap="square" lIns="91423" tIns="91423" rIns="91423" bIns="91423" anchor="ctr" anchorCtr="0">
+          <a:bodyPr spcFirstLastPara="1" wrap="square" lIns="91422" tIns="91422" rIns="91422" bIns="91422" anchor="ctr" anchorCtr="0">
             <a:noAutofit/>
           </a:bodyPr>
           <a:lstStyle/>
@@ -13199,7 +14925,7 @@
               <a:buNone/>
               <a:defRPr/>
             </a:pPr>
-            <a:fld id="{8B09B56D-0015-6DCB-AC27-82B0539C99D2}" type="slidenum">
+            <a:fld id="{C4D2708F-FD48-DE3A-57D5-ACCDA54D9931}" type="slidenum">
               <a:rPr lang="pt-BR" sz="1000" b="0" i="0" u="none" strike="noStrike" cap="none">
                 <a:solidFill>
                   <a:srgbClr val="B2B2B2"/>
@@ -13253,7 +14979,7 @@
                 <a:spcPct val="100000"/>
               </a:lnSpc>
               <a:spcBef>
-                <a:spcPts val="3967"/>
+                <a:spcPts val="3966"/>
               </a:spcBef>
               <a:spcAft>
                 <a:spcPts val="0"/>
@@ -13343,7 +15069,7 @@
 </p:sld>
 </file>
 
-<file path=ppt/slides/slide3.xml><?xml version="1.0" encoding="utf-8"?>
+<file path=ppt/slides/slide4.xml><?xml version="1.0" encoding="utf-8"?>
 <p:sld xmlns:a="http://schemas.openxmlformats.org/drawingml/2006/main" xmlns:r="http://schemas.openxmlformats.org/officeDocument/2006/relationships" xmlns:p="http://schemas.openxmlformats.org/presentationml/2006/main" xmlns:m="http://schemas.openxmlformats.org/officeDocument/2006/math" xmlns:w="http://schemas.openxmlformats.org/wordprocessingml/2006/main" showMasterPhAnim="0" show="1">
   <p:cSld name="">
     <p:spTree>
@@ -13515,366 +15241,6 @@
               <a:latin typeface="Arial"/>
               <a:ea typeface="Arial"/>
               <a:cs typeface="Arial"/>
-            </a:endParaRPr>
-          </a:p>
-        </p:txBody>
-      </p:sp>
-    </p:spTree>
-  </p:cSld>
-  <p:clrMapOvr>
-    <a:masterClrMapping/>
-  </p:clrMapOvr>
-  <mc:AlternateContent xmlns:mc="http://schemas.openxmlformats.org/markup-compatibility/2006">
-    <mc:Choice xmlns:p14="http://schemas.microsoft.com/office/powerpoint/2010/main" Requires="p14">
-      <p:transition p14:dur="2000" advClick="1"/>
-    </mc:Choice>
-    <mc:Fallback>
-      <p:transition advClick="1"/>
-    </mc:Fallback>
-  </mc:AlternateContent>
-</p:sld>
-</file>
-
-<file path=ppt/slides/slide4.xml><?xml version="1.0" encoding="utf-8"?>
-<p:sld xmlns:a="http://schemas.openxmlformats.org/drawingml/2006/main" xmlns:r="http://schemas.openxmlformats.org/officeDocument/2006/relationships" xmlns:p="http://schemas.openxmlformats.org/presentationml/2006/main" xmlns:m="http://schemas.openxmlformats.org/officeDocument/2006/math" xmlns:w="http://schemas.openxmlformats.org/wordprocessingml/2006/main" showMasterPhAnim="0" show="1">
-  <p:cSld name="">
-    <p:spTree>
-      <p:nvGrpSpPr>
-        <p:cNvPr id="1" name="" hidden="0"/>
-        <p:cNvGrpSpPr/>
-        <p:nvPr isPhoto="0" userDrawn="0"/>
-      </p:nvGrpSpPr>
-      <p:grpSpPr bwMode="auto">
-        <a:xfrm>
-          <a:off x="0" y="0"/>
-          <a:ext cx="0" cy="0"/>
-          <a:chOff x="0" y="0"/>
-          <a:chExt cx="0" cy="0"/>
-        </a:xfrm>
-      </p:grpSpPr>
-      <p:sp>
-        <p:nvSpPr>
-          <p:cNvPr id="4" name="Google Shape;267;p55" hidden="0"/>
-          <p:cNvSpPr/>
-          <p:nvPr isPhoto="0" userDrawn="0"/>
-        </p:nvSpPr>
-        <p:spPr bwMode="auto">
-          <a:xfrm>
-            <a:off x="457200" y="781200"/>
-            <a:ext cx="8228520" cy="618120"/>
-          </a:xfrm>
-          <a:prstGeom prst="rect">
-            <a:avLst/>
-          </a:prstGeom>
-          <a:noFill/>
-          <a:ln>
-            <a:noFill/>
-          </a:ln>
-        </p:spPr>
-        <p:txBody>
-          <a:bodyPr spcFirstLastPara="1" wrap="square" lIns="90000" tIns="45000" rIns="90000" bIns="45000" anchor="t" anchorCtr="0">
-            <a:noAutofit/>
-          </a:bodyPr>
-          <a:lstStyle/>
-          <a:p>
-            <a:pPr marL="0" marR="0" lvl="0" indent="0" algn="l">
-              <a:lnSpc>
-                <a:spcPct val="100000"/>
-              </a:lnSpc>
-              <a:spcBef>
-                <a:spcPts val="0"/>
-              </a:spcBef>
-              <a:spcAft>
-                <a:spcPts val="0"/>
-              </a:spcAft>
-              <a:buNone/>
-              <a:defRPr/>
-            </a:pPr>
-            <a:r>
-              <a:rPr lang="pt-BR" sz="3200" b="0" i="0" u="none" strike="noStrike" cap="none">
-                <a:solidFill>
-                  <a:srgbClr val="C00026"/>
-                </a:solidFill>
-                <a:latin typeface="Verdana"/>
-                <a:ea typeface="Verdana"/>
-                <a:cs typeface="Verdana"/>
-              </a:rPr>
-              <a:t>Profiling</a:t>
-            </a:r>
-            <a:endParaRPr sz="3200" b="0" i="0" u="none" strike="noStrike" cap="none">
-              <a:solidFill>
-                <a:schemeClr val="dk1"/>
-              </a:solidFill>
-              <a:latin typeface="Arial"/>
-              <a:ea typeface="Arial"/>
-              <a:cs typeface="Arial"/>
-            </a:endParaRPr>
-          </a:p>
-        </p:txBody>
-      </p:sp>
-      <p:sp>
-        <p:nvSpPr>
-          <p:cNvPr id="5" name="Google Shape;268;p55" hidden="0"/>
-          <p:cNvSpPr/>
-          <p:nvPr isPhoto="0" userDrawn="0"/>
-        </p:nvSpPr>
-        <p:spPr bwMode="auto">
-          <a:xfrm>
-            <a:off x="162000" y="85680"/>
-            <a:ext cx="7228440" cy="351360"/>
-          </a:xfrm>
-          <a:prstGeom prst="rect">
-            <a:avLst/>
-          </a:prstGeom>
-          <a:noFill/>
-          <a:ln>
-            <a:noFill/>
-          </a:ln>
-        </p:spPr>
-        <p:txBody>
-          <a:bodyPr spcFirstLastPara="1" wrap="square" lIns="91422" tIns="91422" rIns="91422" bIns="91422" anchor="ctr" anchorCtr="0">
-            <a:noAutofit/>
-          </a:bodyPr>
-          <a:lstStyle/>
-          <a:p>
-            <a:pPr marL="0" lvl="0" indent="0" algn="l">
-              <a:spcBef>
-                <a:spcPts val="0"/>
-              </a:spcBef>
-              <a:spcAft>
-                <a:spcPts val="0"/>
-              </a:spcAft>
-              <a:buNone/>
-              <a:defRPr/>
-            </a:pPr>
-            <a:endParaRPr/>
-          </a:p>
-        </p:txBody>
-      </p:sp>
-      <p:sp>
-        <p:nvSpPr>
-          <p:cNvPr id="6" name="Google Shape;269;p55" hidden="0"/>
-          <p:cNvSpPr/>
-          <p:nvPr isPhoto="0" userDrawn="0"/>
-        </p:nvSpPr>
-        <p:spPr bwMode="auto">
-          <a:xfrm>
-            <a:off x="84240" y="6402240"/>
-            <a:ext cx="640440" cy="363960"/>
-          </a:xfrm>
-          <a:prstGeom prst="rect">
-            <a:avLst/>
-          </a:prstGeom>
-          <a:noFill/>
-          <a:ln>
-            <a:noFill/>
-          </a:ln>
-        </p:spPr>
-        <p:txBody>
-          <a:bodyPr spcFirstLastPara="1" wrap="square" lIns="90000" tIns="45000" rIns="90000" bIns="45000" anchor="ctr" anchorCtr="0">
-            <a:noAutofit/>
-          </a:bodyPr>
-          <a:lstStyle/>
-          <a:p>
-            <a:pPr marL="0" marR="0" lvl="0" indent="0" algn="r">
-              <a:lnSpc>
-                <a:spcPct val="100000"/>
-              </a:lnSpc>
-              <a:spcBef>
-                <a:spcPts val="0"/>
-              </a:spcBef>
-              <a:spcAft>
-                <a:spcPts val="0"/>
-              </a:spcAft>
-              <a:buNone/>
-              <a:defRPr/>
-            </a:pPr>
-            <a:fld id="{2AEA4DEC-F606-9A77-49F9-6F4328295D55}" type="slidenum">
-              <a:rPr lang="pt-BR" sz="1000" b="0" i="0" u="none" strike="noStrike" cap="none">
-                <a:solidFill>
-                  <a:srgbClr val="B2B2B2"/>
-                </a:solidFill>
-                <a:latin typeface="Verdana"/>
-                <a:ea typeface="Verdana"/>
-                <a:cs typeface="Verdana"/>
-              </a:rPr>
-              <a:t/>
-            </a:fld>
-            <a:endParaRPr sz="1000" b="0" i="0" u="none" strike="noStrike" cap="none">
-              <a:solidFill>
-                <a:schemeClr val="dk1"/>
-              </a:solidFill>
-              <a:latin typeface="Arial"/>
-              <a:ea typeface="Arial"/>
-              <a:cs typeface="Arial"/>
-            </a:endParaRPr>
-          </a:p>
-        </p:txBody>
-      </p:sp>
-      <p:sp>
-        <p:nvSpPr>
-          <p:cNvPr id="7" name="Google Shape;270;p55" hidden="0"/>
-          <p:cNvSpPr>
-            <a:spLocks noAdjustHandles="0" noChangeArrowheads="0"/>
-          </p:cNvSpPr>
-          <p:nvPr isPhoto="0" userDrawn="0"/>
-        </p:nvSpPr>
-        <p:spPr bwMode="auto">
-          <a:xfrm flipH="0" flipV="0">
-            <a:off x="309227" y="1588487"/>
-            <a:ext cx="8704381" cy="4976428"/>
-          </a:xfrm>
-          <a:prstGeom prst="rect">
-            <a:avLst/>
-          </a:prstGeom>
-          <a:noFill/>
-          <a:ln>
-            <a:noFill/>
-          </a:ln>
-        </p:spPr>
-        <p:txBody>
-          <a:bodyPr spcFirstLastPara="1" wrap="square" lIns="91422" tIns="45696" rIns="91422" bIns="45696" anchor="t" anchorCtr="0">
-            <a:noAutofit/>
-          </a:bodyPr>
-          <a:lstStyle/>
-          <a:p>
-            <a:pPr algn="l">
-              <a:defRPr/>
-            </a:pPr>
-            <a:endParaRPr sz="2400" b="1" u="sng">
-              <a:solidFill>
-                <a:schemeClr val="accent2"/>
-              </a:solidFill>
-            </a:endParaRPr>
-          </a:p>
-          <a:p>
-            <a:pPr algn="l">
-              <a:defRPr/>
-            </a:pPr>
-            <a:endParaRPr sz="2400" b="1" u="sng">
-              <a:solidFill>
-                <a:schemeClr val="accent2"/>
-              </a:solidFill>
-            </a:endParaRPr>
-          </a:p>
-          <a:p>
-            <a:pPr algn="ctr">
-              <a:defRPr/>
-            </a:pPr>
-            <a:r>
-              <a:rPr sz="2800" b="0" u="none">
-                <a:solidFill>
-                  <a:schemeClr val="tx1"/>
-                </a:solidFill>
-              </a:rPr>
-              <a:t>Análise de um programa durante sua execução para determinar seu consumo de memória e/ou tempo.</a:t>
-            </a:r>
-            <a:endParaRPr sz="2800" b="0" u="none">
-              <a:solidFill>
-                <a:schemeClr val="tx1"/>
-              </a:solidFill>
-            </a:endParaRPr>
-          </a:p>
-          <a:p>
-            <a:pPr algn="ctr">
-              <a:defRPr/>
-            </a:pPr>
-            <a:endParaRPr sz="2800" b="1" u="sng">
-              <a:solidFill>
-                <a:schemeClr val="accent2">
-                  <a:lumMod val="75000"/>
-                </a:schemeClr>
-              </a:solidFill>
-            </a:endParaRPr>
-          </a:p>
-          <a:p>
-            <a:pPr algn="l">
-              <a:defRPr/>
-            </a:pPr>
-            <a:endParaRPr sz="2400" b="0" u="none">
-              <a:solidFill>
-                <a:schemeClr val="tx1"/>
-              </a:solidFill>
-            </a:endParaRPr>
-          </a:p>
-          <a:p>
-            <a:pPr algn="l">
-              <a:defRPr/>
-            </a:pPr>
-            <a:r>
-              <a:rPr sz="2400" b="0" u="none">
-                <a:solidFill>
-                  <a:schemeClr val="tx1"/>
-                </a:solidFill>
-              </a:rPr>
-              <a:t>Podemos responder duas importantes perguntas:</a:t>
-            </a:r>
-            <a:endParaRPr sz="2400" b="0" u="none">
-              <a:solidFill>
-                <a:schemeClr val="tx1"/>
-              </a:solidFill>
-            </a:endParaRPr>
-          </a:p>
-          <a:p>
-            <a:pPr algn="l">
-              <a:defRPr/>
-            </a:pPr>
-            <a:endParaRPr sz="2400" b="0" u="none">
-              <a:solidFill>
-                <a:schemeClr val="tx1"/>
-              </a:solidFill>
-            </a:endParaRPr>
-          </a:p>
-          <a:p>
-            <a:pPr marL="394022" indent="-394022" algn="l">
-              <a:buFont typeface="Arial"/>
-              <a:buChar char="•"/>
-              <a:defRPr/>
-            </a:pPr>
-            <a:r>
-              <a:rPr sz="2400" b="0" u="none">
-                <a:solidFill>
-                  <a:schemeClr val="tx1"/>
-                </a:solidFill>
-              </a:rPr>
-              <a:t>onde o programa consome mais recursos?</a:t>
-            </a:r>
-            <a:endParaRPr sz="2400" b="0" u="none">
-              <a:solidFill>
-                <a:schemeClr val="tx1"/>
-              </a:solidFill>
-            </a:endParaRPr>
-          </a:p>
-          <a:p>
-            <a:pPr marL="394022" indent="-394022" algn="l">
-              <a:buFont typeface="Arial"/>
-              <a:buChar char="•"/>
-              <a:defRPr/>
-            </a:pPr>
-            <a:r>
-              <a:rPr sz="2400" b="0" u="none">
-                <a:solidFill>
-                  <a:schemeClr val="tx1"/>
-                </a:solidFill>
-              </a:rPr>
-              <a:t>onde devo concentrar meus esforços de otimização?</a:t>
-            </a:r>
-            <a:endParaRPr sz="2400" b="0" u="none">
-              <a:solidFill>
-                <a:schemeClr val="tx1"/>
-              </a:solidFill>
-            </a:endParaRPr>
-          </a:p>
-          <a:p>
-            <a:pPr marL="394022" indent="-394022" algn="l">
-              <a:buFont typeface="Arial"/>
-              <a:buChar char="•"/>
-              <a:defRPr/>
-            </a:pPr>
-            <a:endParaRPr sz="2800" b="0" u="none">
-              <a:solidFill>
-                <a:schemeClr val="tx1"/>
-              </a:solidFill>
             </a:endParaRPr>
           </a:p>
         </p:txBody>
@@ -13959,6 +15325,366 @@
                 <a:ea typeface="Verdana"/>
                 <a:cs typeface="Verdana"/>
               </a:rPr>
+              <a:t>Profiling</a:t>
+            </a:r>
+            <a:endParaRPr sz="3200" b="0" i="0" u="none" strike="noStrike" cap="none">
+              <a:solidFill>
+                <a:schemeClr val="dk1"/>
+              </a:solidFill>
+              <a:latin typeface="Arial"/>
+              <a:ea typeface="Arial"/>
+              <a:cs typeface="Arial"/>
+            </a:endParaRPr>
+          </a:p>
+        </p:txBody>
+      </p:sp>
+      <p:sp>
+        <p:nvSpPr>
+          <p:cNvPr id="5" name="Google Shape;268;p55" hidden="0"/>
+          <p:cNvSpPr/>
+          <p:nvPr isPhoto="0" userDrawn="0"/>
+        </p:nvSpPr>
+        <p:spPr bwMode="auto">
+          <a:xfrm>
+            <a:off x="162000" y="85680"/>
+            <a:ext cx="7228440" cy="351360"/>
+          </a:xfrm>
+          <a:prstGeom prst="rect">
+            <a:avLst/>
+          </a:prstGeom>
+          <a:noFill/>
+          <a:ln>
+            <a:noFill/>
+          </a:ln>
+        </p:spPr>
+        <p:txBody>
+          <a:bodyPr spcFirstLastPara="1" wrap="square" lIns="91422" tIns="91422" rIns="91422" bIns="91422" anchor="ctr" anchorCtr="0">
+            <a:noAutofit/>
+          </a:bodyPr>
+          <a:lstStyle/>
+          <a:p>
+            <a:pPr marL="0" lvl="0" indent="0" algn="l">
+              <a:spcBef>
+                <a:spcPts val="0"/>
+              </a:spcBef>
+              <a:spcAft>
+                <a:spcPts val="0"/>
+              </a:spcAft>
+              <a:buNone/>
+              <a:defRPr/>
+            </a:pPr>
+            <a:endParaRPr/>
+          </a:p>
+        </p:txBody>
+      </p:sp>
+      <p:sp>
+        <p:nvSpPr>
+          <p:cNvPr id="6" name="Google Shape;269;p55" hidden="0"/>
+          <p:cNvSpPr/>
+          <p:nvPr isPhoto="0" userDrawn="0"/>
+        </p:nvSpPr>
+        <p:spPr bwMode="auto">
+          <a:xfrm>
+            <a:off x="84240" y="6402240"/>
+            <a:ext cx="640440" cy="363960"/>
+          </a:xfrm>
+          <a:prstGeom prst="rect">
+            <a:avLst/>
+          </a:prstGeom>
+          <a:noFill/>
+          <a:ln>
+            <a:noFill/>
+          </a:ln>
+        </p:spPr>
+        <p:txBody>
+          <a:bodyPr spcFirstLastPara="1" wrap="square" lIns="90000" tIns="45000" rIns="90000" bIns="45000" anchor="ctr" anchorCtr="0">
+            <a:noAutofit/>
+          </a:bodyPr>
+          <a:lstStyle/>
+          <a:p>
+            <a:pPr marL="0" marR="0" lvl="0" indent="0" algn="r">
+              <a:lnSpc>
+                <a:spcPct val="100000"/>
+              </a:lnSpc>
+              <a:spcBef>
+                <a:spcPts val="0"/>
+              </a:spcBef>
+              <a:spcAft>
+                <a:spcPts val="0"/>
+              </a:spcAft>
+              <a:buNone/>
+              <a:defRPr/>
+            </a:pPr>
+            <a:fld id="{2AEA4DEC-F606-9A77-49F9-6F4328295D55}" type="slidenum">
+              <a:rPr lang="pt-BR" sz="1000" b="0" i="0" u="none" strike="noStrike" cap="none">
+                <a:solidFill>
+                  <a:srgbClr val="B2B2B2"/>
+                </a:solidFill>
+                <a:latin typeface="Verdana"/>
+                <a:ea typeface="Verdana"/>
+                <a:cs typeface="Verdana"/>
+              </a:rPr>
+              <a:t/>
+            </a:fld>
+            <a:endParaRPr sz="1000" b="0" i="0" u="none" strike="noStrike" cap="none">
+              <a:solidFill>
+                <a:schemeClr val="dk1"/>
+              </a:solidFill>
+              <a:latin typeface="Arial"/>
+              <a:ea typeface="Arial"/>
+              <a:cs typeface="Arial"/>
+            </a:endParaRPr>
+          </a:p>
+        </p:txBody>
+      </p:sp>
+      <p:sp>
+        <p:nvSpPr>
+          <p:cNvPr id="7" name="Google Shape;270;p55" hidden="0"/>
+          <p:cNvSpPr>
+            <a:spLocks noAdjustHandles="0" noChangeArrowheads="0"/>
+          </p:cNvSpPr>
+          <p:nvPr isPhoto="0" userDrawn="0"/>
+        </p:nvSpPr>
+        <p:spPr bwMode="auto">
+          <a:xfrm flipH="0" flipV="0">
+            <a:off x="309227" y="1588487"/>
+            <a:ext cx="8704381" cy="4976428"/>
+          </a:xfrm>
+          <a:prstGeom prst="rect">
+            <a:avLst/>
+          </a:prstGeom>
+          <a:noFill/>
+          <a:ln>
+            <a:noFill/>
+          </a:ln>
+        </p:spPr>
+        <p:txBody>
+          <a:bodyPr spcFirstLastPara="1" wrap="square" lIns="91422" tIns="45696" rIns="91422" bIns="45696" anchor="t" anchorCtr="0">
+            <a:noAutofit/>
+          </a:bodyPr>
+          <a:lstStyle/>
+          <a:p>
+            <a:pPr algn="l">
+              <a:defRPr/>
+            </a:pPr>
+            <a:endParaRPr sz="2400" b="1" u="sng">
+              <a:solidFill>
+                <a:schemeClr val="accent2"/>
+              </a:solidFill>
+            </a:endParaRPr>
+          </a:p>
+          <a:p>
+            <a:pPr algn="l">
+              <a:defRPr/>
+            </a:pPr>
+            <a:endParaRPr sz="2400" b="1" u="sng">
+              <a:solidFill>
+                <a:schemeClr val="accent2"/>
+              </a:solidFill>
+            </a:endParaRPr>
+          </a:p>
+          <a:p>
+            <a:pPr algn="ctr">
+              <a:defRPr/>
+            </a:pPr>
+            <a:r>
+              <a:rPr sz="2800" b="0" u="none">
+                <a:solidFill>
+                  <a:schemeClr val="tx1"/>
+                </a:solidFill>
+              </a:rPr>
+              <a:t>Análise de um programa durante sua execução para determinar seu consumo de memória e/ou tempo.</a:t>
+            </a:r>
+            <a:endParaRPr sz="2800" b="0" u="none">
+              <a:solidFill>
+                <a:schemeClr val="tx1"/>
+              </a:solidFill>
+            </a:endParaRPr>
+          </a:p>
+          <a:p>
+            <a:pPr algn="ctr">
+              <a:defRPr/>
+            </a:pPr>
+            <a:endParaRPr sz="2800" b="1" u="sng">
+              <a:solidFill>
+                <a:schemeClr val="accent2">
+                  <a:lumMod val="75000"/>
+                </a:schemeClr>
+              </a:solidFill>
+            </a:endParaRPr>
+          </a:p>
+          <a:p>
+            <a:pPr algn="l">
+              <a:defRPr/>
+            </a:pPr>
+            <a:endParaRPr sz="2400" b="0" u="none">
+              <a:solidFill>
+                <a:schemeClr val="tx1"/>
+              </a:solidFill>
+            </a:endParaRPr>
+          </a:p>
+          <a:p>
+            <a:pPr algn="l">
+              <a:defRPr/>
+            </a:pPr>
+            <a:r>
+              <a:rPr sz="2400" b="0" u="none">
+                <a:solidFill>
+                  <a:schemeClr val="tx1"/>
+                </a:solidFill>
+              </a:rPr>
+              <a:t>Podemos responder duas importantes perguntas:</a:t>
+            </a:r>
+            <a:endParaRPr sz="2400" b="0" u="none">
+              <a:solidFill>
+                <a:schemeClr val="tx1"/>
+              </a:solidFill>
+            </a:endParaRPr>
+          </a:p>
+          <a:p>
+            <a:pPr algn="l">
+              <a:defRPr/>
+            </a:pPr>
+            <a:endParaRPr sz="2400" b="0" u="none">
+              <a:solidFill>
+                <a:schemeClr val="tx1"/>
+              </a:solidFill>
+            </a:endParaRPr>
+          </a:p>
+          <a:p>
+            <a:pPr marL="394022" indent="-394022" algn="l">
+              <a:buFont typeface="Arial"/>
+              <a:buChar char="•"/>
+              <a:defRPr/>
+            </a:pPr>
+            <a:r>
+              <a:rPr sz="2400" b="0" u="none">
+                <a:solidFill>
+                  <a:schemeClr val="tx1"/>
+                </a:solidFill>
+              </a:rPr>
+              <a:t>onde o programa consome mais recursos?</a:t>
+            </a:r>
+            <a:endParaRPr sz="2400" b="0" u="none">
+              <a:solidFill>
+                <a:schemeClr val="tx1"/>
+              </a:solidFill>
+            </a:endParaRPr>
+          </a:p>
+          <a:p>
+            <a:pPr marL="394022" indent="-394022" algn="l">
+              <a:buFont typeface="Arial"/>
+              <a:buChar char="•"/>
+              <a:defRPr/>
+            </a:pPr>
+            <a:r>
+              <a:rPr sz="2400" b="0" u="none">
+                <a:solidFill>
+                  <a:schemeClr val="tx1"/>
+                </a:solidFill>
+              </a:rPr>
+              <a:t>onde devo concentrar meus esforços de otimização?</a:t>
+            </a:r>
+            <a:endParaRPr sz="2400" b="0" u="none">
+              <a:solidFill>
+                <a:schemeClr val="tx1"/>
+              </a:solidFill>
+            </a:endParaRPr>
+          </a:p>
+          <a:p>
+            <a:pPr marL="394022" indent="-394022" algn="l">
+              <a:buFont typeface="Arial"/>
+              <a:buChar char="•"/>
+              <a:defRPr/>
+            </a:pPr>
+            <a:endParaRPr sz="2800" b="0" u="none">
+              <a:solidFill>
+                <a:schemeClr val="tx1"/>
+              </a:solidFill>
+            </a:endParaRPr>
+          </a:p>
+        </p:txBody>
+      </p:sp>
+    </p:spTree>
+  </p:cSld>
+  <p:clrMapOvr>
+    <a:masterClrMapping/>
+  </p:clrMapOvr>
+  <mc:AlternateContent xmlns:mc="http://schemas.openxmlformats.org/markup-compatibility/2006">
+    <mc:Choice xmlns:p14="http://schemas.microsoft.com/office/powerpoint/2010/main" Requires="p14">
+      <p:transition p14:dur="2000" advClick="1"/>
+    </mc:Choice>
+    <mc:Fallback>
+      <p:transition advClick="1"/>
+    </mc:Fallback>
+  </mc:AlternateContent>
+</p:sld>
+</file>
+
+<file path=ppt/slides/slide6.xml><?xml version="1.0" encoding="utf-8"?>
+<p:sld xmlns:a="http://schemas.openxmlformats.org/drawingml/2006/main" xmlns:r="http://schemas.openxmlformats.org/officeDocument/2006/relationships" xmlns:p="http://schemas.openxmlformats.org/presentationml/2006/main" xmlns:m="http://schemas.openxmlformats.org/officeDocument/2006/math" xmlns:w="http://schemas.openxmlformats.org/wordprocessingml/2006/main" showMasterPhAnim="0" show="1">
+  <p:cSld name="">
+    <p:spTree>
+      <p:nvGrpSpPr>
+        <p:cNvPr id="1" name="" hidden="0"/>
+        <p:cNvGrpSpPr/>
+        <p:nvPr isPhoto="0" userDrawn="0"/>
+      </p:nvGrpSpPr>
+      <p:grpSpPr bwMode="auto">
+        <a:xfrm>
+          <a:off x="0" y="0"/>
+          <a:ext cx="0" cy="0"/>
+          <a:chOff x="0" y="0"/>
+          <a:chExt cx="0" cy="0"/>
+        </a:xfrm>
+      </p:grpSpPr>
+      <p:sp>
+        <p:nvSpPr>
+          <p:cNvPr id="4" name="Google Shape;267;p55" hidden="0"/>
+          <p:cNvSpPr/>
+          <p:nvPr isPhoto="0" userDrawn="0"/>
+        </p:nvSpPr>
+        <p:spPr bwMode="auto">
+          <a:xfrm>
+            <a:off x="457200" y="781200"/>
+            <a:ext cx="8228520" cy="618120"/>
+          </a:xfrm>
+          <a:prstGeom prst="rect">
+            <a:avLst/>
+          </a:prstGeom>
+          <a:noFill/>
+          <a:ln>
+            <a:noFill/>
+          </a:ln>
+        </p:spPr>
+        <p:txBody>
+          <a:bodyPr spcFirstLastPara="1" wrap="square" lIns="90000" tIns="45000" rIns="90000" bIns="45000" anchor="t" anchorCtr="0">
+            <a:noAutofit/>
+          </a:bodyPr>
+          <a:lstStyle/>
+          <a:p>
+            <a:pPr marL="0" marR="0" lvl="0" indent="0" algn="l">
+              <a:lnSpc>
+                <a:spcPct val="100000"/>
+              </a:lnSpc>
+              <a:spcBef>
+                <a:spcPts val="0"/>
+              </a:spcBef>
+              <a:spcAft>
+                <a:spcPts val="0"/>
+              </a:spcAft>
+              <a:buNone/>
+              <a:defRPr/>
+            </a:pPr>
+            <a:r>
+              <a:rPr lang="pt-BR" sz="3200" b="0" i="0" u="none" strike="noStrike" cap="none">
+                <a:solidFill>
+                  <a:srgbClr val="C00026"/>
+                </a:solidFill>
+                <a:latin typeface="Verdana"/>
+                <a:ea typeface="Verdana"/>
+                <a:cs typeface="Verdana"/>
+              </a:rPr>
               <a:t>KCachegrind</a:t>
             </a:r>
             <a:endParaRPr sz="3200" b="0" i="0" u="none" strike="noStrike" cap="none">
@@ -14143,7 +15869,227 @@
 </p:sld>
 </file>
 
-<file path=ppt/slides/slide6.xml><?xml version="1.0" encoding="utf-8"?>
+<file path=ppt/slides/slide7.xml><?xml version="1.0" encoding="utf-8"?>
+<p:sld xmlns:a="http://schemas.openxmlformats.org/drawingml/2006/main" xmlns:r="http://schemas.openxmlformats.org/officeDocument/2006/relationships" xmlns:p="http://schemas.openxmlformats.org/presentationml/2006/main" xmlns:m="http://schemas.openxmlformats.org/officeDocument/2006/math" xmlns:w="http://schemas.openxmlformats.org/wordprocessingml/2006/main" showMasterPhAnim="0" show="1">
+  <p:cSld name="">
+    <p:spTree>
+      <p:nvGrpSpPr>
+        <p:cNvPr id="1" name="" hidden="0"/>
+        <p:cNvGrpSpPr/>
+        <p:nvPr isPhoto="0" userDrawn="0"/>
+      </p:nvGrpSpPr>
+      <p:grpSpPr bwMode="auto">
+        <a:xfrm>
+          <a:off x="0" y="0"/>
+          <a:ext cx="0" cy="0"/>
+          <a:chOff x="0" y="0"/>
+          <a:chExt cx="0" cy="0"/>
+        </a:xfrm>
+      </p:grpSpPr>
+      <p:sp>
+        <p:nvSpPr>
+          <p:cNvPr id="4" name="Google Shape;347;p64" hidden="0"/>
+          <p:cNvSpPr/>
+          <p:nvPr isPhoto="0" userDrawn="0"/>
+        </p:nvSpPr>
+        <p:spPr bwMode="auto">
+          <a:xfrm>
+            <a:off x="457200" y="2920658"/>
+            <a:ext cx="8228520" cy="618120"/>
+          </a:xfrm>
+          <a:prstGeom prst="rect">
+            <a:avLst/>
+          </a:prstGeom>
+          <a:noFill/>
+          <a:ln>
+            <a:noFill/>
+          </a:ln>
+        </p:spPr>
+        <p:txBody>
+          <a:bodyPr spcFirstLastPara="1" wrap="square" lIns="90000" tIns="45000" rIns="90000" bIns="45000" anchor="t" anchorCtr="0">
+            <a:noAutofit/>
+          </a:bodyPr>
+          <a:lstStyle/>
+          <a:p>
+            <a:pPr marL="0" marR="0" lvl="0" indent="0" algn="ctr">
+              <a:lnSpc>
+                <a:spcPct val="100000"/>
+              </a:lnSpc>
+              <a:spcBef>
+                <a:spcPts val="0"/>
+              </a:spcBef>
+              <a:spcAft>
+                <a:spcPts val="0"/>
+              </a:spcAft>
+              <a:buNone/>
+              <a:defRPr/>
+            </a:pPr>
+            <a:r>
+              <a:rPr lang="pt-BR" sz="3600" b="1" i="0" u="none" strike="noStrike" cap="none">
+                <a:solidFill>
+                  <a:srgbClr val="C00026"/>
+                </a:solidFill>
+                <a:latin typeface="Verdana"/>
+                <a:ea typeface="Verdana"/>
+                <a:cs typeface="Verdana"/>
+              </a:rPr>
+              <a:t>Demonstração</a:t>
+            </a:r>
+            <a:endParaRPr sz="3600" b="1" i="0" u="none" strike="noStrike" cap="none">
+              <a:solidFill>
+                <a:schemeClr val="dk1"/>
+              </a:solidFill>
+              <a:latin typeface="Arial"/>
+              <a:ea typeface="Arial"/>
+              <a:cs typeface="Arial"/>
+            </a:endParaRPr>
+          </a:p>
+        </p:txBody>
+      </p:sp>
+      <p:sp>
+        <p:nvSpPr>
+          <p:cNvPr id="5" name="Google Shape;348;p64" hidden="0"/>
+          <p:cNvSpPr/>
+          <p:nvPr isPhoto="0" userDrawn="0"/>
+        </p:nvSpPr>
+        <p:spPr bwMode="auto">
+          <a:xfrm>
+            <a:off x="162000" y="85680"/>
+            <a:ext cx="7228440" cy="351360"/>
+          </a:xfrm>
+          <a:prstGeom prst="rect">
+            <a:avLst/>
+          </a:prstGeom>
+          <a:noFill/>
+          <a:ln>
+            <a:noFill/>
+          </a:ln>
+        </p:spPr>
+        <p:txBody>
+          <a:bodyPr spcFirstLastPara="1" wrap="square" lIns="91422" tIns="91422" rIns="91422" bIns="91422" anchor="ctr" anchorCtr="0">
+            <a:noAutofit/>
+          </a:bodyPr>
+          <a:lstStyle/>
+          <a:p>
+            <a:pPr marL="0" lvl="0" indent="0" algn="l">
+              <a:spcBef>
+                <a:spcPts val="0"/>
+              </a:spcBef>
+              <a:spcAft>
+                <a:spcPts val="0"/>
+              </a:spcAft>
+              <a:buNone/>
+              <a:defRPr/>
+            </a:pPr>
+            <a:endParaRPr/>
+          </a:p>
+        </p:txBody>
+      </p:sp>
+      <p:sp>
+        <p:nvSpPr>
+          <p:cNvPr id="6" name="Google Shape;349;p64" hidden="0"/>
+          <p:cNvSpPr/>
+          <p:nvPr isPhoto="0" userDrawn="0"/>
+        </p:nvSpPr>
+        <p:spPr bwMode="auto">
+          <a:xfrm>
+            <a:off x="84240" y="6402240"/>
+            <a:ext cx="640440" cy="363960"/>
+          </a:xfrm>
+          <a:prstGeom prst="rect">
+            <a:avLst/>
+          </a:prstGeom>
+          <a:noFill/>
+          <a:ln>
+            <a:noFill/>
+          </a:ln>
+        </p:spPr>
+        <p:txBody>
+          <a:bodyPr spcFirstLastPara="1" wrap="square" lIns="90000" tIns="45000" rIns="90000" bIns="45000" anchor="ctr" anchorCtr="0">
+            <a:noAutofit/>
+          </a:bodyPr>
+          <a:lstStyle/>
+          <a:p>
+            <a:pPr marL="0" marR="0" lvl="0" indent="0" algn="r">
+              <a:lnSpc>
+                <a:spcPct val="100000"/>
+              </a:lnSpc>
+              <a:spcBef>
+                <a:spcPts val="0"/>
+              </a:spcBef>
+              <a:spcAft>
+                <a:spcPts val="0"/>
+              </a:spcAft>
+              <a:buNone/>
+              <a:defRPr/>
+            </a:pPr>
+            <a:fld id="{B6D942E3-BAB4-23B8-4AD6-2DA8F348163E}" type="slidenum">
+              <a:rPr lang="pt-BR" sz="1000" b="0" i="0" u="none" strike="noStrike" cap="none">
+                <a:solidFill>
+                  <a:srgbClr val="B2B2B2"/>
+                </a:solidFill>
+                <a:latin typeface="Verdana"/>
+                <a:ea typeface="Verdana"/>
+                <a:cs typeface="Verdana"/>
+              </a:rPr>
+              <a:t/>
+            </a:fld>
+            <a:endParaRPr sz="1000" b="0" i="0" u="none" strike="noStrike" cap="none">
+              <a:solidFill>
+                <a:schemeClr val="dk1"/>
+              </a:solidFill>
+              <a:latin typeface="Arial"/>
+              <a:ea typeface="Arial"/>
+              <a:cs typeface="Arial"/>
+            </a:endParaRPr>
+          </a:p>
+        </p:txBody>
+      </p:sp>
+      <p:sp>
+        <p:nvSpPr>
+          <p:cNvPr id="7" name="" hidden="0"/>
+          <p:cNvSpPr/>
+          <p:nvPr isPhoto="0" userDrawn="0"/>
+        </p:nvSpPr>
+        <p:spPr bwMode="auto">
+          <a:xfrm flipH="0" flipV="0">
+            <a:off x="724676" y="4088421"/>
+            <a:ext cx="8137932" cy="363448"/>
+          </a:xfrm>
+          <a:prstGeom prst="rect">
+            <a:avLst/>
+          </a:prstGeom>
+          <a:noFill/>
+        </p:spPr>
+        <p:txBody>
+          <a:bodyPr vertOverflow="overflow" horzOverflow="clip" vert="horz" wrap="square" lIns="91440" tIns="45720" rIns="91440" bIns="45720" numCol="1" spcCol="0" rtlCol="0" fromWordArt="0" anchor="t" anchorCtr="0" forceAA="0" upright="0" compatLnSpc="0">
+            <a:noAutofit/>
+          </a:bodyPr>
+          <a:p>
+            <a:pPr>
+              <a:defRPr/>
+            </a:pPr>
+            <a:endParaRPr/>
+          </a:p>
+        </p:txBody>
+      </p:sp>
+    </p:spTree>
+  </p:cSld>
+  <p:clrMapOvr>
+    <a:masterClrMapping/>
+  </p:clrMapOvr>
+  <mc:AlternateContent xmlns:mc="http://schemas.openxmlformats.org/markup-compatibility/2006">
+    <mc:Choice xmlns:p14="http://schemas.microsoft.com/office/powerpoint/2010/main" Requires="p14">
+      <p:transition p14:dur="2000" advClick="1"/>
+    </mc:Choice>
+    <mc:Fallback>
+      <p:transition advClick="1"/>
+    </mc:Fallback>
+  </mc:AlternateContent>
+</p:sld>
+</file>
+
+<file path=ppt/slides/slide8.xml><?xml version="1.0" encoding="utf-8"?>
 <p:sld xmlns:a="http://schemas.openxmlformats.org/drawingml/2006/main" xmlns:r="http://schemas.openxmlformats.org/officeDocument/2006/relationships" xmlns:p="http://schemas.openxmlformats.org/presentationml/2006/main" xmlns:m="http://schemas.openxmlformats.org/officeDocument/2006/math" xmlns:w="http://schemas.openxmlformats.org/wordprocessingml/2006/main" showMasterPhAnim="0" show="1">
   <p:cSld name="">
     <p:spTree>
@@ -14345,7 +16291,7 @@
             </a:pPr>
             <a:r>
               <a:rPr sz="2000" b="1"/>
-              <a:t>Uma primeira tentativa de otimização</a:t>
+              <a:t>Profiling na prática</a:t>
             </a:r>
             <a:endParaRPr sz="2000" b="1"/>
           </a:p>
@@ -14362,7 +16308,7 @@
             </a:pPr>
             <a:r>
               <a:rPr sz="2000" b="0"/>
-              <a:t>Implementar uma otimização simples</a:t>
+              <a:t>Usar o KCachegrind para analisar nossa tentativa de otimização</a:t>
             </a:r>
             <a:endParaRPr sz="2000" b="0"/>
           </a:p>
@@ -14373,7 +16319,7 @@
             </a:pPr>
             <a:r>
               <a:rPr sz="2000" b="0"/>
-              <a:t>Verificar se houve melhora usando o KCachegrind</a:t>
+              <a:t>Fazer novas otimizações e medir seu desempenho</a:t>
             </a:r>
             <a:endParaRPr sz="2000" b="0"/>
           </a:p>
@@ -14395,7 +16341,7 @@
 </p:sld>
 </file>
 
-<file path=ppt/slides/slide7.xml><?xml version="1.0" encoding="utf-8"?>
+<file path=ppt/slides/slide9.xml><?xml version="1.0" encoding="utf-8"?>
 <p:sld xmlns:a="http://schemas.openxmlformats.org/drawingml/2006/main" xmlns:r="http://schemas.openxmlformats.org/officeDocument/2006/relationships" xmlns:p="http://schemas.openxmlformats.org/presentationml/2006/main" xmlns:m="http://schemas.openxmlformats.org/officeDocument/2006/math" xmlns:w="http://schemas.openxmlformats.org/wordprocessingml/2006/main" showMasterPhAnim="0" show="1">
   <p:cSld name="">
     <p:spTree>
@@ -14718,177 +16664,6 @@
           </a:p>
         </p:txBody>
       </p:sp>
-    </p:spTree>
-  </p:cSld>
-  <p:clrMapOvr>
-    <a:masterClrMapping/>
-  </p:clrMapOvr>
-  <mc:AlternateContent xmlns:mc="http://schemas.openxmlformats.org/markup-compatibility/2006">
-    <mc:Choice xmlns:p14="http://schemas.microsoft.com/office/powerpoint/2010/main" Requires="p14">
-      <p:transition p14:dur="2000" advClick="1"/>
-    </mc:Choice>
-    <mc:Fallback>
-      <p:transition advClick="1"/>
-    </mc:Fallback>
-  </mc:AlternateContent>
-</p:sld>
-</file>
-
-<file path=ppt/slides/slide8.xml><?xml version="1.0" encoding="utf-8"?>
-<p:sld xmlns:a="http://schemas.openxmlformats.org/drawingml/2006/main" xmlns:r="http://schemas.openxmlformats.org/officeDocument/2006/relationships" xmlns:p="http://schemas.openxmlformats.org/presentationml/2006/main" xmlns:m="http://schemas.openxmlformats.org/officeDocument/2006/math" xmlns:w="http://schemas.openxmlformats.org/wordprocessingml/2006/main" showMasterPhAnim="0" show="1">
-  <p:cSld name="">
-    <p:bg>
-      <p:bgPr shadeToTitle="0">
-        <a:solidFill>
-          <a:srgbClr val="BA0E24"/>
-        </a:solidFill>
-      </p:bgPr>
-    </p:bg>
-    <p:spTree>
-      <p:nvGrpSpPr>
-        <p:cNvPr id="1" name="" hidden="0"/>
-        <p:cNvGrpSpPr/>
-        <p:nvPr isPhoto="0" userDrawn="0"/>
-      </p:nvGrpSpPr>
-      <p:grpSpPr bwMode="auto">
-        <a:xfrm>
-          <a:off x="0" y="0"/>
-          <a:ext cx="0" cy="0"/>
-          <a:chOff x="0" y="0"/>
-          <a:chExt cx="0" cy="0"/>
-        </a:xfrm>
-      </p:grpSpPr>
-      <p:sp>
-        <p:nvSpPr>
-          <p:cNvPr id="4" name="Google Shape;568;p34" hidden="0"/>
-          <p:cNvSpPr/>
-          <p:nvPr isPhoto="0" userDrawn="0"/>
-        </p:nvSpPr>
-        <p:spPr bwMode="auto">
-          <a:xfrm>
-            <a:off x="0" y="0"/>
-            <a:ext cx="9143280" cy="6857280"/>
-          </a:xfrm>
-          <a:prstGeom prst="rect">
-            <a:avLst/>
-          </a:prstGeom>
-          <a:solidFill>
-            <a:srgbClr val="BA0E24"/>
-          </a:solidFill>
-          <a:ln>
-            <a:noFill/>
-          </a:ln>
-          <a:effectLst>
-            <a:outerShdw dist="23040" dir="5400000">
-              <a:srgbClr val="000000">
-                <a:alpha val="34901"/>
-              </a:srgbClr>
-            </a:outerShdw>
-          </a:effectLst>
-        </p:spPr>
-        <p:txBody>
-          <a:bodyPr spcFirstLastPara="1" wrap="square" lIns="91425" tIns="91425" rIns="91425" bIns="91425" anchor="ctr" anchorCtr="0">
-            <a:noAutofit/>
-          </a:bodyPr>
-          <a:lstStyle/>
-          <a:p>
-            <a:pPr marL="0" lvl="0" indent="0" algn="l">
-              <a:spcBef>
-                <a:spcPts val="0"/>
-              </a:spcBef>
-              <a:spcAft>
-                <a:spcPts val="0"/>
-              </a:spcAft>
-              <a:buNone/>
-              <a:defRPr/>
-            </a:pPr>
-            <a:endParaRPr/>
-          </a:p>
-        </p:txBody>
-      </p:sp>
-      <p:sp>
-        <p:nvSpPr>
-          <p:cNvPr id="5" name="Google Shape;569;p34" hidden="0"/>
-          <p:cNvSpPr/>
-          <p:nvPr isPhoto="0" userDrawn="0"/>
-        </p:nvSpPr>
-        <p:spPr bwMode="auto">
-          <a:xfrm>
-            <a:off x="3026880" y="3636000"/>
-            <a:ext cx="3085560" cy="455760"/>
-          </a:xfrm>
-          <a:prstGeom prst="rect">
-            <a:avLst/>
-          </a:prstGeom>
-          <a:noFill/>
-          <a:ln>
-            <a:noFill/>
-          </a:ln>
-        </p:spPr>
-        <p:txBody>
-          <a:bodyPr spcFirstLastPara="1" wrap="square" lIns="90000" tIns="45000" rIns="90000" bIns="45000" anchor="t" anchorCtr="0">
-            <a:noAutofit/>
-          </a:bodyPr>
-          <a:lstStyle/>
-          <a:p>
-            <a:pPr marL="0" marR="0" lvl="0" indent="0" algn="ctr">
-              <a:lnSpc>
-                <a:spcPct val="100000"/>
-              </a:lnSpc>
-              <a:spcBef>
-                <a:spcPts val="0"/>
-              </a:spcBef>
-              <a:spcAft>
-                <a:spcPts val="0"/>
-              </a:spcAft>
-              <a:buNone/>
-              <a:defRPr/>
-            </a:pPr>
-            <a:r>
-              <a:rPr lang="pt-BR" sz="2400" b="0" i="0" u="none" strike="noStrike" cap="none">
-                <a:solidFill>
-                  <a:srgbClr val="FFFFFF"/>
-                </a:solidFill>
-                <a:latin typeface="Verdana"/>
-                <a:ea typeface="Verdana"/>
-                <a:cs typeface="Verdana"/>
-              </a:rPr>
-              <a:t>www.insper.edu.br</a:t>
-            </a:r>
-            <a:endParaRPr sz="2400" b="0" i="0" u="none" strike="noStrike" cap="none">
-              <a:latin typeface="Arial"/>
-              <a:ea typeface="Arial"/>
-              <a:cs typeface="Arial"/>
-            </a:endParaRPr>
-          </a:p>
-        </p:txBody>
-      </p:sp>
-      <p:pic>
-        <p:nvPicPr>
-          <p:cNvPr id="6" name="Google Shape;570;p34" hidden="0"/>
-          <p:cNvPicPr/>
-          <p:nvPr isPhoto="0" userDrawn="0"/>
-        </p:nvPicPr>
-        <p:blipFill>
-          <a:blip r:embed="rId2">
-            <a:alphaModFix/>
-          </a:blip>
-          <a:stretch/>
-        </p:blipFill>
-        <p:spPr bwMode="auto">
-          <a:xfrm>
-            <a:off x="3703320" y="2844720"/>
-            <a:ext cx="1732320" cy="611640"/>
-          </a:xfrm>
-          <a:prstGeom prst="rect">
-            <a:avLst/>
-          </a:prstGeom>
-          <a:noFill/>
-          <a:ln>
-            <a:noFill/>
-          </a:ln>
-        </p:spPr>
-      </p:pic>
     </p:spTree>
   </p:cSld>
   <p:clrMapOvr>
